--- a/optimization-methods-for-artificial-intelligence/optimization-discrete.pptx
+++ b/optimization-methods-for-artificial-intelligence/optimization-discrete.pptx
@@ -8,7 +8,9 @@
     <p:sldId id="257" r:id="rId2"/>
     <p:sldId id="258" r:id="rId3"/>
     <p:sldId id="259" r:id="rId4"/>
-    <p:sldId id="269" r:id="rId5"/>
+    <p:sldId id="270" r:id="rId5"/>
+    <p:sldId id="271" r:id="rId6"/>
+    <p:sldId id="269" r:id="rId7"/>
   </p:sldIdLst>
   <p:sldSz cx="12192000" cy="6858000"/>
   <p:notesSz cx="6858000" cy="9144000"/>
@@ -1397,16 +1399,7 @@
                 </a:solidFill>
                 <a:latin typeface="+mn-lt"/>
               </a:rPr>
-              <a:t>TITLE OF THE PRESENTATION HERE (MODIFY IN VIEW -&gt; MASK</a:t>
-            </a:r>
-            <a:r>
-              <a:rPr lang="it-IT" sz="1000" baseline="0" dirty="0">
-                <a:solidFill>
-                  <a:srgbClr val="275662"/>
-                </a:solidFill>
-                <a:latin typeface="+mn-lt"/>
-              </a:rPr>
-              <a:t> / AFFICHAGE -&gt; MASQUE DE DIAPOSITIVES) </a:t>
+              <a:t>Discrete optimization</a:t>
             </a:r>
             <a:endParaRPr lang="fr-FR" sz="1000" dirty="0">
               <a:solidFill>
@@ -1952,7 +1945,7 @@
           <a:p>
             <a:r>
               <a:rPr lang="en-US" dirty="0"/>
-              <a:t>Linear programming and mixed-integer linear programming</a:t>
+              <a:t>Mixed-integer linear programming</a:t>
             </a:r>
           </a:p>
           <a:p>
@@ -2030,31 +2023,415 @@
           </a:p>
         </p:txBody>
       </p:sp>
-      <p:sp>
-        <p:nvSpPr>
-          <p:cNvPr id="3" name="Espace réservé du texte 2">
-            <a:extLst>
-              <a:ext uri="{FF2B5EF4-FFF2-40B4-BE49-F238E27FC236}">
-                <a16:creationId xmlns:a16="http://schemas.microsoft.com/office/drawing/2014/main" id="{025D74E4-A624-47B1-BCF0-C31EB2919A1B}"/>
-              </a:ext>
-            </a:extLst>
-          </p:cNvPr>
-          <p:cNvSpPr>
-            <a:spLocks noGrp="1"/>
-          </p:cNvSpPr>
-          <p:nvPr>
-            <p:ph type="body" sz="quarter" idx="10"/>
-          </p:nvPr>
-        </p:nvSpPr>
-        <p:spPr/>
-        <p:txBody>
-          <a:bodyPr/>
-          <a:lstStyle/>
-          <a:p>
-            <a:endParaRPr lang="en-US"/>
-          </a:p>
-        </p:txBody>
-      </p:sp>
+      <mc:AlternateContent xmlns:mc="http://schemas.openxmlformats.org/markup-compatibility/2006">
+        <mc:Choice xmlns:a14="http://schemas.microsoft.com/office/drawing/2010/main" Requires="a14">
+          <p:sp>
+            <p:nvSpPr>
+              <p:cNvPr id="3" name="Espace réservé du texte 2">
+                <a:extLst>
+                  <a:ext uri="{FF2B5EF4-FFF2-40B4-BE49-F238E27FC236}">
+                    <a16:creationId xmlns:a16="http://schemas.microsoft.com/office/drawing/2014/main" id="{025D74E4-A624-47B1-BCF0-C31EB2919A1B}"/>
+                  </a:ext>
+                </a:extLst>
+              </p:cNvPr>
+              <p:cNvSpPr>
+                <a:spLocks noGrp="1"/>
+              </p:cNvSpPr>
+              <p:nvPr>
+                <p:ph type="body" sz="quarter" idx="10"/>
+              </p:nvPr>
+            </p:nvSpPr>
+            <p:spPr/>
+            <p:txBody>
+              <a:bodyPr/>
+              <a:lstStyle/>
+              <a:p>
+                <a:r>
+                  <a:rPr lang="en-US" dirty="0"/>
+                  <a:t>Some (or all) variables values are in </a:t>
+                </a:r>
+                <a14:m>
+                  <m:oMath xmlns:m="http://schemas.openxmlformats.org/officeDocument/2006/math">
+                    <m:r>
+                      <a:rPr lang="en-US" smtClean="0">
+                        <a:latin typeface="Cambria Math" panose="02040503050406030204" pitchFamily="18" charset="0"/>
+                      </a:rPr>
+                      <m:t>ℤ</m:t>
+                    </m:r>
+                  </m:oMath>
+                </a14:m>
+                <a:r>
+                  <a:rPr lang="en-US" dirty="0"/>
+                  <a:t> or </a:t>
+                </a:r>
+                <a14:m>
+                  <m:oMath xmlns:m="http://schemas.openxmlformats.org/officeDocument/2006/math">
+                    <m:r>
+                      <a:rPr lang="en-US" smtClean="0">
+                        <a:latin typeface="Cambria Math" panose="02040503050406030204" pitchFamily="18" charset="0"/>
+                      </a:rPr>
+                      <m:t>ℕ</m:t>
+                    </m:r>
+                  </m:oMath>
+                </a14:m>
+                <a:endParaRPr lang="en-US" dirty="0"/>
+              </a:p>
+              <a:p>
+                <a:pPr lvl="1"/>
+                <a:r>
+                  <a:rPr lang="en-US" dirty="0"/>
+                  <a:t>It is commonly assumed that variable values can be sorted</a:t>
+                </a:r>
+              </a:p>
+              <a:p>
+                <a:pPr lvl="1"/>
+                <a:r>
+                  <a:rPr lang="en-US" dirty="0"/>
+                  <a:t>Variable values could also be </a:t>
+                </a:r>
+                <a:r>
+                  <a:rPr lang="en-US" b="1" dirty="0"/>
+                  <a:t>categorical</a:t>
+                </a:r>
+                <a:r>
+                  <a:rPr lang="en-US" dirty="0"/>
+                  <a:t> (e.g. red, green, blue)</a:t>
+                </a:r>
+              </a:p>
+              <a:p>
+                <a:pPr lvl="1"/>
+                <a:r>
+                  <a:rPr lang="en-US" dirty="0"/>
+                  <a:t>Sometimes categorical are encoded as bitstrings with constraints</a:t>
+                </a:r>
+              </a:p>
+              <a:p>
+                <a:pPr lvl="1"/>
+                <a:r>
+                  <a:rPr lang="en-US" dirty="0"/>
+                  <a:t>If we can enumerate all candidates, </a:t>
+                </a:r>
+                <a:r>
+                  <a:rPr lang="en-US" b="1" dirty="0"/>
+                  <a:t>combinatorial optimization</a:t>
+                </a:r>
+              </a:p>
+              <a:p>
+                <a:endParaRPr lang="en-US" dirty="0"/>
+              </a:p>
+              <a:p>
+                <a:r>
+                  <a:rPr lang="en-US" dirty="0"/>
+                  <a:t>Example: mixed integer sphere</a:t>
+                </a:r>
+              </a:p>
+              <a:p>
+                <a:pPr marL="0" indent="0">
+                  <a:buNone/>
+                </a:pPr>
+                <a:r>
+                  <a:rPr lang="it-IT" b="0" dirty="0"/>
+                  <a:t>	</a:t>
+                </a:r>
+                <a14:m>
+                  <m:oMath xmlns:m="http://schemas.openxmlformats.org/officeDocument/2006/math">
+                    <m:r>
+                      <a:rPr lang="it-IT" b="0" i="1" smtClean="0">
+                        <a:latin typeface="Cambria Math" panose="02040503050406030204" pitchFamily="18" charset="0"/>
+                      </a:rPr>
+                      <m:t>𝑓</m:t>
+                    </m:r>
+                    <m:d>
+                      <m:dPr>
+                        <m:ctrlPr>
+                          <a:rPr lang="it-IT" b="0" i="1" smtClean="0">
+                            <a:latin typeface="Cambria Math" panose="02040503050406030204" pitchFamily="18" charset="0"/>
+                          </a:rPr>
+                        </m:ctrlPr>
+                      </m:dPr>
+                      <m:e>
+                        <m:sSub>
+                          <m:sSubPr>
+                            <m:ctrlPr>
+                              <a:rPr lang="it-IT" b="0" i="1" smtClean="0">
+                                <a:latin typeface="Cambria Math" panose="02040503050406030204" pitchFamily="18" charset="0"/>
+                              </a:rPr>
+                            </m:ctrlPr>
+                          </m:sSubPr>
+                          <m:e>
+                            <m:r>
+                              <a:rPr lang="it-IT" b="0" i="1" smtClean="0">
+                                <a:latin typeface="Cambria Math" panose="02040503050406030204" pitchFamily="18" charset="0"/>
+                              </a:rPr>
+                              <m:t>𝑥</m:t>
+                            </m:r>
+                          </m:e>
+                          <m:sub>
+                            <m:r>
+                              <a:rPr lang="it-IT" b="0" i="1" smtClean="0">
+                                <a:latin typeface="Cambria Math" panose="02040503050406030204" pitchFamily="18" charset="0"/>
+                              </a:rPr>
+                              <m:t>1</m:t>
+                            </m:r>
+                          </m:sub>
+                        </m:sSub>
+                        <m:r>
+                          <a:rPr lang="it-IT" b="0" i="1" smtClean="0">
+                            <a:latin typeface="Cambria Math" panose="02040503050406030204" pitchFamily="18" charset="0"/>
+                          </a:rPr>
+                          <m:t>,</m:t>
+                        </m:r>
+                        <m:sSub>
+                          <m:sSubPr>
+                            <m:ctrlPr>
+                              <a:rPr lang="it-IT" b="0" i="1" smtClean="0">
+                                <a:latin typeface="Cambria Math" panose="02040503050406030204" pitchFamily="18" charset="0"/>
+                              </a:rPr>
+                            </m:ctrlPr>
+                          </m:sSubPr>
+                          <m:e>
+                            <m:r>
+                              <a:rPr lang="it-IT" b="0" i="1" smtClean="0">
+                                <a:latin typeface="Cambria Math" panose="02040503050406030204" pitchFamily="18" charset="0"/>
+                              </a:rPr>
+                              <m:t>𝑥</m:t>
+                            </m:r>
+                          </m:e>
+                          <m:sub>
+                            <m:r>
+                              <a:rPr lang="it-IT" b="0" i="1" smtClean="0">
+                                <a:latin typeface="Cambria Math" panose="02040503050406030204" pitchFamily="18" charset="0"/>
+                              </a:rPr>
+                              <m:t>2</m:t>
+                            </m:r>
+                          </m:sub>
+                        </m:sSub>
+                      </m:e>
+                    </m:d>
+                    <m:r>
+                      <a:rPr lang="it-IT" b="0" i="1" smtClean="0">
+                        <a:latin typeface="Cambria Math" panose="02040503050406030204" pitchFamily="18" charset="0"/>
+                      </a:rPr>
+                      <m:t>=</m:t>
+                    </m:r>
+                    <m:sSubSup>
+                      <m:sSubSupPr>
+                        <m:ctrlPr>
+                          <a:rPr lang="it-IT" b="0" i="1" smtClean="0">
+                            <a:latin typeface="Cambria Math" panose="02040503050406030204" pitchFamily="18" charset="0"/>
+                          </a:rPr>
+                        </m:ctrlPr>
+                      </m:sSubSupPr>
+                      <m:e>
+                        <m:r>
+                          <a:rPr lang="it-IT" b="0" i="1" smtClean="0">
+                            <a:latin typeface="Cambria Math" panose="02040503050406030204" pitchFamily="18" charset="0"/>
+                          </a:rPr>
+                          <m:t>𝑥</m:t>
+                        </m:r>
+                      </m:e>
+                      <m:sub>
+                        <m:r>
+                          <a:rPr lang="it-IT" b="0" i="1" smtClean="0">
+                            <a:latin typeface="Cambria Math" panose="02040503050406030204" pitchFamily="18" charset="0"/>
+                          </a:rPr>
+                          <m:t>1</m:t>
+                        </m:r>
+                      </m:sub>
+                      <m:sup>
+                        <m:r>
+                          <a:rPr lang="it-IT" b="0" i="1" smtClean="0">
+                            <a:latin typeface="Cambria Math" panose="02040503050406030204" pitchFamily="18" charset="0"/>
+                          </a:rPr>
+                          <m:t>2</m:t>
+                        </m:r>
+                      </m:sup>
+                    </m:sSubSup>
+                    <m:r>
+                      <a:rPr lang="it-IT" b="0" i="1" smtClean="0">
+                        <a:latin typeface="Cambria Math" panose="02040503050406030204" pitchFamily="18" charset="0"/>
+                      </a:rPr>
+                      <m:t>+</m:t>
+                    </m:r>
+                    <m:sSubSup>
+                      <m:sSubSupPr>
+                        <m:ctrlPr>
+                          <a:rPr lang="it-IT" b="0" i="1" smtClean="0">
+                            <a:latin typeface="Cambria Math" panose="02040503050406030204" pitchFamily="18" charset="0"/>
+                          </a:rPr>
+                        </m:ctrlPr>
+                      </m:sSubSupPr>
+                      <m:e>
+                        <m:r>
+                          <a:rPr lang="it-IT" b="0" i="1" smtClean="0">
+                            <a:latin typeface="Cambria Math" panose="02040503050406030204" pitchFamily="18" charset="0"/>
+                          </a:rPr>
+                          <m:t>𝑥</m:t>
+                        </m:r>
+                      </m:e>
+                      <m:sub>
+                        <m:r>
+                          <a:rPr lang="it-IT" b="0" i="1" smtClean="0">
+                            <a:latin typeface="Cambria Math" panose="02040503050406030204" pitchFamily="18" charset="0"/>
+                          </a:rPr>
+                          <m:t>2</m:t>
+                        </m:r>
+                      </m:sub>
+                      <m:sup>
+                        <m:r>
+                          <a:rPr lang="it-IT" b="0" i="1" smtClean="0">
+                            <a:latin typeface="Cambria Math" panose="02040503050406030204" pitchFamily="18" charset="0"/>
+                          </a:rPr>
+                          <m:t>2</m:t>
+                        </m:r>
+                      </m:sup>
+                    </m:sSubSup>
+                  </m:oMath>
+                </a14:m>
+                <a:r>
+                  <a:rPr lang="en-US" dirty="0"/>
+                  <a:t> where </a:t>
+                </a:r>
+                <a14:m>
+                  <m:oMath xmlns:m="http://schemas.openxmlformats.org/officeDocument/2006/math">
+                    <m:sSub>
+                      <m:sSubPr>
+                        <m:ctrlPr>
+                          <a:rPr lang="en-US" i="1" smtClean="0">
+                            <a:latin typeface="Cambria Math" panose="02040503050406030204" pitchFamily="18" charset="0"/>
+                          </a:rPr>
+                        </m:ctrlPr>
+                      </m:sSubPr>
+                      <m:e>
+                        <m:r>
+                          <a:rPr lang="it-IT" b="0" i="1" smtClean="0">
+                            <a:latin typeface="Cambria Math" panose="02040503050406030204" pitchFamily="18" charset="0"/>
+                          </a:rPr>
+                          <m:t>𝑥</m:t>
+                        </m:r>
+                      </m:e>
+                      <m:sub>
+                        <m:r>
+                          <a:rPr lang="it-IT" b="0" i="1" smtClean="0">
+                            <a:latin typeface="Cambria Math" panose="02040503050406030204" pitchFamily="18" charset="0"/>
+                          </a:rPr>
+                          <m:t>1</m:t>
+                        </m:r>
+                      </m:sub>
+                    </m:sSub>
+                    <m:r>
+                      <a:rPr lang="en-US" i="1" smtClean="0">
+                        <a:latin typeface="Cambria Math" panose="02040503050406030204" pitchFamily="18" charset="0"/>
+                        <a:ea typeface="Cambria Math" panose="02040503050406030204" pitchFamily="18" charset="0"/>
+                      </a:rPr>
+                      <m:t>∈</m:t>
+                    </m:r>
+                    <m:r>
+                      <a:rPr lang="en-US" i="1" smtClean="0">
+                        <a:latin typeface="Cambria Math" panose="02040503050406030204" pitchFamily="18" charset="0"/>
+                        <a:ea typeface="Cambria Math" panose="02040503050406030204" pitchFamily="18" charset="0"/>
+                      </a:rPr>
+                      <m:t>ℝ</m:t>
+                    </m:r>
+                    <m:r>
+                      <a:rPr lang="it-IT" b="0" i="1" smtClean="0">
+                        <a:latin typeface="Cambria Math" panose="02040503050406030204" pitchFamily="18" charset="0"/>
+                        <a:ea typeface="Cambria Math" panose="02040503050406030204" pitchFamily="18" charset="0"/>
+                      </a:rPr>
+                      <m:t>, </m:t>
+                    </m:r>
+                    <m:sSub>
+                      <m:sSubPr>
+                        <m:ctrlPr>
+                          <a:rPr lang="it-IT" b="0" i="1" smtClean="0">
+                            <a:latin typeface="Cambria Math" panose="02040503050406030204" pitchFamily="18" charset="0"/>
+                            <a:ea typeface="Cambria Math" panose="02040503050406030204" pitchFamily="18" charset="0"/>
+                          </a:rPr>
+                        </m:ctrlPr>
+                      </m:sSubPr>
+                      <m:e>
+                        <m:r>
+                          <a:rPr lang="it-IT" b="0" i="1" smtClean="0">
+                            <a:latin typeface="Cambria Math" panose="02040503050406030204" pitchFamily="18" charset="0"/>
+                            <a:ea typeface="Cambria Math" panose="02040503050406030204" pitchFamily="18" charset="0"/>
+                          </a:rPr>
+                          <m:t>𝑥</m:t>
+                        </m:r>
+                      </m:e>
+                      <m:sub>
+                        <m:r>
+                          <a:rPr lang="it-IT" b="0" i="1" smtClean="0">
+                            <a:latin typeface="Cambria Math" panose="02040503050406030204" pitchFamily="18" charset="0"/>
+                            <a:ea typeface="Cambria Math" panose="02040503050406030204" pitchFamily="18" charset="0"/>
+                          </a:rPr>
+                          <m:t>2</m:t>
+                        </m:r>
+                      </m:sub>
+                    </m:sSub>
+                    <m:r>
+                      <a:rPr lang="it-IT" b="0" i="1" smtClean="0">
+                        <a:latin typeface="Cambria Math" panose="02040503050406030204" pitchFamily="18" charset="0"/>
+                        <a:ea typeface="Cambria Math" panose="02040503050406030204" pitchFamily="18" charset="0"/>
+                      </a:rPr>
+                      <m:t>∈</m:t>
+                    </m:r>
+                    <m:r>
+                      <a:rPr lang="it-IT" b="0" i="1" smtClean="0">
+                        <a:latin typeface="Cambria Math" panose="02040503050406030204" pitchFamily="18" charset="0"/>
+                        <a:ea typeface="Cambria Math" panose="02040503050406030204" pitchFamily="18" charset="0"/>
+                      </a:rPr>
+                      <m:t>ℤ</m:t>
+                    </m:r>
+                  </m:oMath>
+                </a14:m>
+                <a:endParaRPr lang="en-US" dirty="0"/>
+              </a:p>
+              <a:p>
+                <a:endParaRPr lang="en-US" dirty="0"/>
+              </a:p>
+            </p:txBody>
+          </p:sp>
+        </mc:Choice>
+        <mc:Fallback>
+          <p:sp>
+            <p:nvSpPr>
+              <p:cNvPr id="3" name="Espace réservé du texte 2">
+                <a:extLst>
+                  <a:ext uri="{FF2B5EF4-FFF2-40B4-BE49-F238E27FC236}">
+                    <a16:creationId xmlns:a16="http://schemas.microsoft.com/office/drawing/2014/main" id="{025D74E4-A624-47B1-BCF0-C31EB2919A1B}"/>
+                  </a:ext>
+                </a:extLst>
+              </p:cNvPr>
+              <p:cNvSpPr>
+                <a:spLocks noGrp="1" noRot="1" noChangeAspect="1" noMove="1" noResize="1" noEditPoints="1" noAdjustHandles="1" noChangeArrowheads="1" noChangeShapeType="1" noTextEdit="1"/>
+              </p:cNvSpPr>
+              <p:nvPr>
+                <p:ph type="body" sz="quarter" idx="10"/>
+              </p:nvPr>
+            </p:nvSpPr>
+            <p:spPr>
+              <a:blipFill>
+                <a:blip r:embed="rId2"/>
+                <a:stretch>
+                  <a:fillRect l="-1333" t="-2604"/>
+                </a:stretch>
+              </a:blipFill>
+            </p:spPr>
+            <p:txBody>
+              <a:bodyPr/>
+              <a:lstStyle/>
+              <a:p>
+                <a:r>
+                  <a:rPr lang="en-US">
+                    <a:noFill/>
+                  </a:rPr>
+                  <a:t> </a:t>
+                </a:r>
+              </a:p>
+            </p:txBody>
+          </p:sp>
+        </mc:Fallback>
+      </mc:AlternateContent>
     </p:spTree>
     <p:extLst>
       <p:ext uri="{BB962C8B-B14F-4D97-AF65-F5344CB8AC3E}">
@@ -2087,6 +2464,181 @@
       </p:grpSpPr>
       <p:sp>
         <p:nvSpPr>
+          <p:cNvPr id="2" name="Titre 1">
+            <a:extLst>
+              <a:ext uri="{FF2B5EF4-FFF2-40B4-BE49-F238E27FC236}">
+                <a16:creationId xmlns:a16="http://schemas.microsoft.com/office/drawing/2014/main" id="{E9343A17-4F1E-4A09-A652-19759750D761}"/>
+              </a:ext>
+            </a:extLst>
+          </p:cNvPr>
+          <p:cNvSpPr>
+            <a:spLocks noGrp="1"/>
+          </p:cNvSpPr>
+          <p:nvPr>
+            <p:ph type="title"/>
+          </p:nvPr>
+        </p:nvSpPr>
+        <p:spPr/>
+        <p:txBody>
+          <a:bodyPr/>
+          <a:lstStyle/>
+          <a:p>
+            <a:r>
+              <a:rPr lang="en-US" dirty="0"/>
+              <a:t>Evolutionary algorithms (again)</a:t>
+            </a:r>
+          </a:p>
+        </p:txBody>
+      </p:sp>
+      <p:sp>
+        <p:nvSpPr>
+          <p:cNvPr id="3" name="Espace réservé du texte 2">
+            <a:extLst>
+              <a:ext uri="{FF2B5EF4-FFF2-40B4-BE49-F238E27FC236}">
+                <a16:creationId xmlns:a16="http://schemas.microsoft.com/office/drawing/2014/main" id="{5CCE075C-893A-4031-8E37-F4AA0FE3D692}"/>
+              </a:ext>
+            </a:extLst>
+          </p:cNvPr>
+          <p:cNvSpPr>
+            <a:spLocks noGrp="1"/>
+          </p:cNvSpPr>
+          <p:nvPr>
+            <p:ph type="body" sz="quarter" idx="10"/>
+          </p:nvPr>
+        </p:nvSpPr>
+        <p:spPr/>
+        <p:txBody>
+          <a:bodyPr/>
+          <a:lstStyle/>
+          <a:p>
+            <a:endParaRPr lang="en-US"/>
+          </a:p>
+        </p:txBody>
+      </p:sp>
+    </p:spTree>
+    <p:extLst>
+      <p:ext uri="{BB962C8B-B14F-4D97-AF65-F5344CB8AC3E}">
+        <p14:creationId xmlns:p14="http://schemas.microsoft.com/office/powerpoint/2010/main" val="3214944582"/>
+      </p:ext>
+    </p:extLst>
+  </p:cSld>
+  <p:clrMapOvr>
+    <a:masterClrMapping/>
+  </p:clrMapOvr>
+</p:sld>
+</file>
+
+<file path=ppt/slides/slide5.xml><?xml version="1.0" encoding="utf-8"?>
+<p:sld xmlns:a="http://schemas.openxmlformats.org/drawingml/2006/main" xmlns:r="http://schemas.openxmlformats.org/officeDocument/2006/relationships" xmlns:p="http://schemas.openxmlformats.org/presentationml/2006/main">
+  <p:cSld>
+    <p:spTree>
+      <p:nvGrpSpPr>
+        <p:cNvPr id="1" name=""/>
+        <p:cNvGrpSpPr/>
+        <p:nvPr/>
+      </p:nvGrpSpPr>
+      <p:grpSpPr>
+        <a:xfrm>
+          <a:off x="0" y="0"/>
+          <a:ext cx="0" cy="0"/>
+          <a:chOff x="0" y="0"/>
+          <a:chExt cx="0" cy="0"/>
+        </a:xfrm>
+      </p:grpSpPr>
+      <p:sp>
+        <p:nvSpPr>
+          <p:cNvPr id="2" name="Titre 1">
+            <a:extLst>
+              <a:ext uri="{FF2B5EF4-FFF2-40B4-BE49-F238E27FC236}">
+                <a16:creationId xmlns:a16="http://schemas.microsoft.com/office/drawing/2014/main" id="{A35804AD-8A64-471F-B00C-4F440CA6AF52}"/>
+              </a:ext>
+            </a:extLst>
+          </p:cNvPr>
+          <p:cNvSpPr>
+            <a:spLocks noGrp="1"/>
+          </p:cNvSpPr>
+          <p:nvPr>
+            <p:ph type="title"/>
+          </p:nvPr>
+        </p:nvSpPr>
+        <p:spPr/>
+        <p:txBody>
+          <a:bodyPr/>
+          <a:lstStyle/>
+          <a:p>
+            <a:r>
+              <a:rPr lang="en-US" dirty="0"/>
+              <a:t>Covariance Matrix Adaptation (again)</a:t>
+            </a:r>
+          </a:p>
+        </p:txBody>
+      </p:sp>
+      <p:sp>
+        <p:nvSpPr>
+          <p:cNvPr id="3" name="Espace réservé du texte 2">
+            <a:extLst>
+              <a:ext uri="{FF2B5EF4-FFF2-40B4-BE49-F238E27FC236}">
+                <a16:creationId xmlns:a16="http://schemas.microsoft.com/office/drawing/2014/main" id="{4B53BB99-9F93-46F6-A7A5-1DAA79FCFD13}"/>
+              </a:ext>
+            </a:extLst>
+          </p:cNvPr>
+          <p:cNvSpPr>
+            <a:spLocks noGrp="1"/>
+          </p:cNvSpPr>
+          <p:nvPr>
+            <p:ph type="body" sz="quarter" idx="10"/>
+          </p:nvPr>
+        </p:nvSpPr>
+        <p:spPr/>
+        <p:txBody>
+          <a:bodyPr/>
+          <a:lstStyle/>
+          <a:p>
+            <a:r>
+              <a:rPr lang="en-US" dirty="0"/>
+              <a:t>Classic CMA-ES with continuous variables</a:t>
+            </a:r>
+          </a:p>
+          <a:p>
+            <a:r>
+              <a:rPr lang="en-US" dirty="0"/>
+              <a:t>Round up the discrete variables to the closest integer</a:t>
+            </a:r>
+          </a:p>
+        </p:txBody>
+      </p:sp>
+    </p:spTree>
+    <p:extLst>
+      <p:ext uri="{BB962C8B-B14F-4D97-AF65-F5344CB8AC3E}">
+        <p14:creationId xmlns:p14="http://schemas.microsoft.com/office/powerpoint/2010/main" val="478420095"/>
+      </p:ext>
+    </p:extLst>
+  </p:cSld>
+  <p:clrMapOvr>
+    <a:masterClrMapping/>
+  </p:clrMapOvr>
+</p:sld>
+</file>
+
+<file path=ppt/slides/slide6.xml><?xml version="1.0" encoding="utf-8"?>
+<p:sld xmlns:a="http://schemas.openxmlformats.org/drawingml/2006/main" xmlns:r="http://schemas.openxmlformats.org/officeDocument/2006/relationships" xmlns:p="http://schemas.openxmlformats.org/presentationml/2006/main">
+  <p:cSld>
+    <p:spTree>
+      <p:nvGrpSpPr>
+        <p:cNvPr id="1" name=""/>
+        <p:cNvGrpSpPr/>
+        <p:nvPr/>
+      </p:nvGrpSpPr>
+      <p:grpSpPr>
+        <a:xfrm>
+          <a:off x="0" y="0"/>
+          <a:ext cx="0" cy="0"/>
+          <a:chOff x="0" y="0"/>
+          <a:chExt cx="0" cy="0"/>
+        </a:xfrm>
+      </p:grpSpPr>
+      <p:sp>
+        <p:nvSpPr>
           <p:cNvPr id="4" name="Titre 3">
             <a:extLst>
               <a:ext uri="{FF2B5EF4-FFF2-40B4-BE49-F238E27FC236}">
@@ -2163,10 +2715,49 @@
               <a:rPr lang="en-US" dirty="0"/>
               <a:t>, MIT Press, 2019</a:t>
             </a:r>
-          </a:p>
-          <a:p>
-            <a:r>
+            <a:br>
               <a:rPr lang="en-US" dirty="0"/>
+            </a:br>
+            <a:r>
+              <a:rPr lang="en-US" dirty="0"/>
+              <a:t>- </a:t>
+            </a:r>
+            <a:r>
+              <a:rPr lang="en-US" dirty="0" err="1"/>
+              <a:t>Vanderbei</a:t>
+            </a:r>
+            <a:r>
+              <a:rPr lang="en-US" dirty="0"/>
+              <a:t>, </a:t>
+            </a:r>
+            <a:r>
+              <a:rPr lang="en-US" i="1" dirty="0"/>
+              <a:t>Linear Programming: Foundations and Extensions</a:t>
+            </a:r>
+            <a:r>
+              <a:rPr lang="en-US" dirty="0"/>
+              <a:t>, 2014</a:t>
+            </a:r>
+            <a:br>
+              <a:rPr lang="en-US" dirty="0"/>
+            </a:br>
+            <a:r>
+              <a:rPr lang="en-US" dirty="0"/>
+              <a:t>- Hamano et al., </a:t>
+            </a:r>
+            <a:r>
+              <a:rPr lang="en-US" i="1" dirty="0"/>
+              <a:t>CMA-ES with Margin: Lower-Bounding Marginal Probability for Mixed-Integer Black-Box Optimization</a:t>
+            </a:r>
+            <a:r>
+              <a:rPr lang="en-US" dirty="0"/>
+              <a:t>, 2022</a:t>
+            </a:r>
+            <a:endParaRPr lang="en-US" i="1" dirty="0"/>
+          </a:p>
+          <a:p>
+            <a:r>
+              <a:rPr lang="en-US" sz="1200" dirty="0"/>
               <a:t>Images: unless otherwise stated, I stole them from the Internet. I hope they are not copyrighted, or that their use falls under the Fair Use clause, and if not, I am sorry. Please don’t sue me.</a:t>
             </a:r>
           </a:p>

--- a/optimization-methods-for-artificial-intelligence/optimization-discrete.pptx
+++ b/optimization-methods-for-artificial-intelligence/optimization-discrete.pptx
@@ -8,9 +8,16 @@
     <p:sldId id="257" r:id="rId2"/>
     <p:sldId id="258" r:id="rId3"/>
     <p:sldId id="259" r:id="rId4"/>
-    <p:sldId id="270" r:id="rId5"/>
-    <p:sldId id="271" r:id="rId6"/>
-    <p:sldId id="269" r:id="rId7"/>
+    <p:sldId id="272" r:id="rId5"/>
+    <p:sldId id="275" r:id="rId6"/>
+    <p:sldId id="276" r:id="rId7"/>
+    <p:sldId id="278" r:id="rId8"/>
+    <p:sldId id="277" r:id="rId9"/>
+    <p:sldId id="273" r:id="rId10"/>
+    <p:sldId id="274" r:id="rId11"/>
+    <p:sldId id="270" r:id="rId12"/>
+    <p:sldId id="271" r:id="rId13"/>
+    <p:sldId id="269" r:id="rId14"/>
   </p:sldIdLst>
   <p:sldSz cx="12192000" cy="6858000"/>
   <p:notesSz cx="6858000" cy="9144000"/>
@@ -1817,10 +1824,10 @@
           <a:lstStyle/>
           <a:p>
             <a:r>
-              <a:rPr lang="it-IT" dirty="0"/>
+              <a:rPr lang="it-IT" sz="8800" dirty="0"/>
               <a:t>Discrete optimization</a:t>
             </a:r>
-            <a:endParaRPr lang="fr-FR" dirty="0"/>
+            <a:endParaRPr lang="fr-FR" sz="8800" dirty="0"/>
           </a:p>
         </p:txBody>
       </p:sp>
@@ -1868,6 +1875,519 @@
     <p:extLst>
       <p:ext uri="{BB962C8B-B14F-4D97-AF65-F5344CB8AC3E}">
         <p14:creationId xmlns:p14="http://schemas.microsoft.com/office/powerpoint/2010/main" val="1056445254"/>
+      </p:ext>
+    </p:extLst>
+  </p:cSld>
+  <p:clrMapOvr>
+    <a:masterClrMapping/>
+  </p:clrMapOvr>
+</p:sld>
+</file>
+
+<file path=ppt/slides/slide10.xml><?xml version="1.0" encoding="utf-8"?>
+<p:sld xmlns:a="http://schemas.openxmlformats.org/drawingml/2006/main" xmlns:r="http://schemas.openxmlformats.org/officeDocument/2006/relationships" xmlns:p="http://schemas.openxmlformats.org/presentationml/2006/main">
+  <p:cSld>
+    <p:spTree>
+      <p:nvGrpSpPr>
+        <p:cNvPr id="1" name=""/>
+        <p:cNvGrpSpPr/>
+        <p:nvPr/>
+      </p:nvGrpSpPr>
+      <p:grpSpPr>
+        <a:xfrm>
+          <a:off x="0" y="0"/>
+          <a:ext cx="0" cy="0"/>
+          <a:chOff x="0" y="0"/>
+          <a:chExt cx="0" cy="0"/>
+        </a:xfrm>
+      </p:grpSpPr>
+      <p:sp>
+        <p:nvSpPr>
+          <p:cNvPr id="2" name="Titre 1">
+            <a:extLst>
+              <a:ext uri="{FF2B5EF4-FFF2-40B4-BE49-F238E27FC236}">
+                <a16:creationId xmlns:a16="http://schemas.microsoft.com/office/drawing/2014/main" id="{0C32BA94-9D2C-4CD5-AE56-D5F30435D754}"/>
+              </a:ext>
+            </a:extLst>
+          </p:cNvPr>
+          <p:cNvSpPr>
+            <a:spLocks noGrp="1"/>
+          </p:cNvSpPr>
+          <p:nvPr>
+            <p:ph type="title"/>
+          </p:nvPr>
+        </p:nvSpPr>
+        <p:spPr/>
+        <p:txBody>
+          <a:bodyPr/>
+          <a:lstStyle/>
+          <a:p>
+            <a:r>
+              <a:rPr lang="en-US" dirty="0"/>
+              <a:t>Boolean satisfiability (SAT solvers)</a:t>
+            </a:r>
+          </a:p>
+        </p:txBody>
+      </p:sp>
+      <p:sp>
+        <p:nvSpPr>
+          <p:cNvPr id="3" name="Espace réservé du texte 2">
+            <a:extLst>
+              <a:ext uri="{FF2B5EF4-FFF2-40B4-BE49-F238E27FC236}">
+                <a16:creationId xmlns:a16="http://schemas.microsoft.com/office/drawing/2014/main" id="{10B7D6D5-C846-4BAE-A748-103AC1D0F874}"/>
+              </a:ext>
+            </a:extLst>
+          </p:cNvPr>
+          <p:cNvSpPr>
+            <a:spLocks noGrp="1"/>
+          </p:cNvSpPr>
+          <p:nvPr>
+            <p:ph type="body" sz="quarter" idx="10"/>
+          </p:nvPr>
+        </p:nvSpPr>
+        <p:spPr/>
+        <p:txBody>
+          <a:bodyPr/>
+          <a:lstStyle/>
+          <a:p>
+            <a:endParaRPr lang="en-US"/>
+          </a:p>
+        </p:txBody>
+      </p:sp>
+    </p:spTree>
+    <p:extLst>
+      <p:ext uri="{BB962C8B-B14F-4D97-AF65-F5344CB8AC3E}">
+        <p14:creationId xmlns:p14="http://schemas.microsoft.com/office/powerpoint/2010/main" val="2095228573"/>
+      </p:ext>
+    </p:extLst>
+  </p:cSld>
+  <p:clrMapOvr>
+    <a:masterClrMapping/>
+  </p:clrMapOvr>
+</p:sld>
+</file>
+
+<file path=ppt/slides/slide11.xml><?xml version="1.0" encoding="utf-8"?>
+<p:sld xmlns:a="http://schemas.openxmlformats.org/drawingml/2006/main" xmlns:r="http://schemas.openxmlformats.org/officeDocument/2006/relationships" xmlns:p="http://schemas.openxmlformats.org/presentationml/2006/main">
+  <p:cSld>
+    <p:spTree>
+      <p:nvGrpSpPr>
+        <p:cNvPr id="1" name=""/>
+        <p:cNvGrpSpPr/>
+        <p:nvPr/>
+      </p:nvGrpSpPr>
+      <p:grpSpPr>
+        <a:xfrm>
+          <a:off x="0" y="0"/>
+          <a:ext cx="0" cy="0"/>
+          <a:chOff x="0" y="0"/>
+          <a:chExt cx="0" cy="0"/>
+        </a:xfrm>
+      </p:grpSpPr>
+      <p:sp>
+        <p:nvSpPr>
+          <p:cNvPr id="2" name="Titre 1">
+            <a:extLst>
+              <a:ext uri="{FF2B5EF4-FFF2-40B4-BE49-F238E27FC236}">
+                <a16:creationId xmlns:a16="http://schemas.microsoft.com/office/drawing/2014/main" id="{E9343A17-4F1E-4A09-A652-19759750D761}"/>
+              </a:ext>
+            </a:extLst>
+          </p:cNvPr>
+          <p:cNvSpPr>
+            <a:spLocks noGrp="1"/>
+          </p:cNvSpPr>
+          <p:nvPr>
+            <p:ph type="title"/>
+          </p:nvPr>
+        </p:nvSpPr>
+        <p:spPr/>
+        <p:txBody>
+          <a:bodyPr/>
+          <a:lstStyle/>
+          <a:p>
+            <a:r>
+              <a:rPr lang="en-US" dirty="0"/>
+              <a:t>Evolutionary algorithms (again)</a:t>
+            </a:r>
+          </a:p>
+        </p:txBody>
+      </p:sp>
+      <p:sp>
+        <p:nvSpPr>
+          <p:cNvPr id="3" name="Espace réservé du texte 2">
+            <a:extLst>
+              <a:ext uri="{FF2B5EF4-FFF2-40B4-BE49-F238E27FC236}">
+                <a16:creationId xmlns:a16="http://schemas.microsoft.com/office/drawing/2014/main" id="{5CCE075C-893A-4031-8E37-F4AA0FE3D692}"/>
+              </a:ext>
+            </a:extLst>
+          </p:cNvPr>
+          <p:cNvSpPr>
+            <a:spLocks noGrp="1"/>
+          </p:cNvSpPr>
+          <p:nvPr>
+            <p:ph type="body" sz="quarter" idx="10"/>
+          </p:nvPr>
+        </p:nvSpPr>
+        <p:spPr/>
+        <p:txBody>
+          <a:bodyPr/>
+          <a:lstStyle/>
+          <a:p>
+            <a:endParaRPr lang="en-US"/>
+          </a:p>
+        </p:txBody>
+      </p:sp>
+    </p:spTree>
+    <p:extLst>
+      <p:ext uri="{BB962C8B-B14F-4D97-AF65-F5344CB8AC3E}">
+        <p14:creationId xmlns:p14="http://schemas.microsoft.com/office/powerpoint/2010/main" val="3214944582"/>
+      </p:ext>
+    </p:extLst>
+  </p:cSld>
+  <p:clrMapOvr>
+    <a:masterClrMapping/>
+  </p:clrMapOvr>
+</p:sld>
+</file>
+
+<file path=ppt/slides/slide12.xml><?xml version="1.0" encoding="utf-8"?>
+<p:sld xmlns:a="http://schemas.openxmlformats.org/drawingml/2006/main" xmlns:r="http://schemas.openxmlformats.org/officeDocument/2006/relationships" xmlns:p="http://schemas.openxmlformats.org/presentationml/2006/main">
+  <p:cSld>
+    <p:spTree>
+      <p:nvGrpSpPr>
+        <p:cNvPr id="1" name=""/>
+        <p:cNvGrpSpPr/>
+        <p:nvPr/>
+      </p:nvGrpSpPr>
+      <p:grpSpPr>
+        <a:xfrm>
+          <a:off x="0" y="0"/>
+          <a:ext cx="0" cy="0"/>
+          <a:chOff x="0" y="0"/>
+          <a:chExt cx="0" cy="0"/>
+        </a:xfrm>
+      </p:grpSpPr>
+      <p:sp>
+        <p:nvSpPr>
+          <p:cNvPr id="2" name="Titre 1">
+            <a:extLst>
+              <a:ext uri="{FF2B5EF4-FFF2-40B4-BE49-F238E27FC236}">
+                <a16:creationId xmlns:a16="http://schemas.microsoft.com/office/drawing/2014/main" id="{A35804AD-8A64-471F-B00C-4F440CA6AF52}"/>
+              </a:ext>
+            </a:extLst>
+          </p:cNvPr>
+          <p:cNvSpPr>
+            <a:spLocks noGrp="1"/>
+          </p:cNvSpPr>
+          <p:nvPr>
+            <p:ph type="title"/>
+          </p:nvPr>
+        </p:nvSpPr>
+        <p:spPr/>
+        <p:txBody>
+          <a:bodyPr/>
+          <a:lstStyle/>
+          <a:p>
+            <a:r>
+              <a:rPr lang="en-US" dirty="0"/>
+              <a:t>Covariance Matrix Adaptation (again)</a:t>
+            </a:r>
+          </a:p>
+        </p:txBody>
+      </p:sp>
+      <p:sp>
+        <p:nvSpPr>
+          <p:cNvPr id="3" name="Espace réservé du texte 2">
+            <a:extLst>
+              <a:ext uri="{FF2B5EF4-FFF2-40B4-BE49-F238E27FC236}">
+                <a16:creationId xmlns:a16="http://schemas.microsoft.com/office/drawing/2014/main" id="{4B53BB99-9F93-46F6-A7A5-1DAA79FCFD13}"/>
+              </a:ext>
+            </a:extLst>
+          </p:cNvPr>
+          <p:cNvSpPr>
+            <a:spLocks noGrp="1"/>
+          </p:cNvSpPr>
+          <p:nvPr>
+            <p:ph type="body" sz="quarter" idx="10"/>
+          </p:nvPr>
+        </p:nvSpPr>
+        <p:spPr/>
+        <p:txBody>
+          <a:bodyPr/>
+          <a:lstStyle/>
+          <a:p>
+            <a:r>
+              <a:rPr lang="en-US" dirty="0"/>
+              <a:t>Classic CMA-ES with continuous variables</a:t>
+            </a:r>
+          </a:p>
+          <a:p>
+            <a:r>
+              <a:rPr lang="en-US" dirty="0"/>
+              <a:t>Round up the discrete variables to the closest integer</a:t>
+            </a:r>
+          </a:p>
+        </p:txBody>
+      </p:sp>
+    </p:spTree>
+    <p:extLst>
+      <p:ext uri="{BB962C8B-B14F-4D97-AF65-F5344CB8AC3E}">
+        <p14:creationId xmlns:p14="http://schemas.microsoft.com/office/powerpoint/2010/main" val="478420095"/>
+      </p:ext>
+    </p:extLst>
+  </p:cSld>
+  <p:clrMapOvr>
+    <a:masterClrMapping/>
+  </p:clrMapOvr>
+</p:sld>
+</file>
+
+<file path=ppt/slides/slide13.xml><?xml version="1.0" encoding="utf-8"?>
+<p:sld xmlns:a="http://schemas.openxmlformats.org/drawingml/2006/main" xmlns:r="http://schemas.openxmlformats.org/officeDocument/2006/relationships" xmlns:p="http://schemas.openxmlformats.org/presentationml/2006/main">
+  <p:cSld>
+    <p:spTree>
+      <p:nvGrpSpPr>
+        <p:cNvPr id="1" name=""/>
+        <p:cNvGrpSpPr/>
+        <p:nvPr/>
+      </p:nvGrpSpPr>
+      <p:grpSpPr>
+        <a:xfrm>
+          <a:off x="0" y="0"/>
+          <a:ext cx="0" cy="0"/>
+          <a:chOff x="0" y="0"/>
+          <a:chExt cx="0" cy="0"/>
+        </a:xfrm>
+      </p:grpSpPr>
+      <p:sp>
+        <p:nvSpPr>
+          <p:cNvPr id="4" name="Titre 3">
+            <a:extLst>
+              <a:ext uri="{FF2B5EF4-FFF2-40B4-BE49-F238E27FC236}">
+                <a16:creationId xmlns:a16="http://schemas.microsoft.com/office/drawing/2014/main" id="{B53E8A05-42BD-489E-BF5F-958C213739DF}"/>
+              </a:ext>
+            </a:extLst>
+          </p:cNvPr>
+          <p:cNvSpPr>
+            <a:spLocks noGrp="1"/>
+          </p:cNvSpPr>
+          <p:nvPr>
+            <p:ph type="ctrTitle"/>
+          </p:nvPr>
+        </p:nvSpPr>
+        <p:spPr/>
+        <p:txBody>
+          <a:bodyPr/>
+          <a:lstStyle/>
+          <a:p>
+            <a:r>
+              <a:rPr lang="en-US" dirty="0"/>
+              <a:t>Questions?</a:t>
+            </a:r>
+          </a:p>
+        </p:txBody>
+      </p:sp>
+      <p:sp>
+        <p:nvSpPr>
+          <p:cNvPr id="5" name="Sous-titre 4">
+            <a:extLst>
+              <a:ext uri="{FF2B5EF4-FFF2-40B4-BE49-F238E27FC236}">
+                <a16:creationId xmlns:a16="http://schemas.microsoft.com/office/drawing/2014/main" id="{CEB63DBD-0FC0-4057-AC92-1717C1D0ED55}"/>
+              </a:ext>
+            </a:extLst>
+          </p:cNvPr>
+          <p:cNvSpPr>
+            <a:spLocks noGrp="1"/>
+          </p:cNvSpPr>
+          <p:nvPr>
+            <p:ph type="subTitle" idx="1"/>
+          </p:nvPr>
+        </p:nvSpPr>
+        <p:spPr/>
+        <p:txBody>
+          <a:bodyPr>
+            <a:noAutofit/>
+          </a:bodyPr>
+          <a:lstStyle/>
+          <a:p>
+            <a:r>
+              <a:rPr lang="en-US" dirty="0"/>
+              <a:t>Bibliography</a:t>
+            </a:r>
+            <a:br>
+              <a:rPr lang="en-US" dirty="0"/>
+            </a:br>
+            <a:r>
+              <a:rPr lang="en-US" dirty="0"/>
+              <a:t>- </a:t>
+            </a:r>
+            <a:r>
+              <a:rPr lang="en-US" dirty="0" err="1"/>
+              <a:t>Kochenderfer</a:t>
+            </a:r>
+            <a:r>
+              <a:rPr lang="en-US" dirty="0"/>
+              <a:t> &amp; Wheeler, </a:t>
+            </a:r>
+            <a:r>
+              <a:rPr lang="en-US" i="1" dirty="0"/>
+              <a:t>Algorithms for Optimization</a:t>
+            </a:r>
+            <a:r>
+              <a:rPr lang="en-US" dirty="0"/>
+              <a:t>, MIT Press, 2019</a:t>
+            </a:r>
+            <a:br>
+              <a:rPr lang="en-US" dirty="0"/>
+            </a:br>
+            <a:r>
+              <a:rPr lang="en-US" dirty="0"/>
+              <a:t>- </a:t>
+            </a:r>
+            <a:r>
+              <a:rPr lang="en-US" dirty="0" err="1"/>
+              <a:t>Vanderbei</a:t>
+            </a:r>
+            <a:r>
+              <a:rPr lang="en-US" dirty="0"/>
+              <a:t>, </a:t>
+            </a:r>
+            <a:r>
+              <a:rPr lang="en-US" i="1" dirty="0"/>
+              <a:t>Linear Programming: Foundations and Extensions</a:t>
+            </a:r>
+            <a:r>
+              <a:rPr lang="en-US" dirty="0"/>
+              <a:t>, 2014</a:t>
+            </a:r>
+            <a:br>
+              <a:rPr lang="en-US" dirty="0"/>
+            </a:br>
+            <a:r>
+              <a:rPr lang="en-US" dirty="0"/>
+              <a:t>- Hamano et al., </a:t>
+            </a:r>
+            <a:r>
+              <a:rPr lang="en-US" i="1" dirty="0"/>
+              <a:t>CMA-ES with Margin: Lower-Bounding Marginal Probability for Mixed-Integer Black-Box Optimization</a:t>
+            </a:r>
+            <a:r>
+              <a:rPr lang="en-US" dirty="0"/>
+              <a:t>, 2022</a:t>
+            </a:r>
+            <a:br>
+              <a:rPr lang="en-US" dirty="0"/>
+            </a:br>
+            <a:r>
+              <a:rPr lang="en-US" dirty="0"/>
+              <a:t>- Applegate et al., </a:t>
+            </a:r>
+            <a:r>
+              <a:rPr lang="en-US" i="1" dirty="0"/>
+              <a:t>Solution of a Min-Max Vehicle Routing Problem</a:t>
+            </a:r>
+            <a:r>
+              <a:rPr lang="en-US" dirty="0"/>
+              <a:t>, 2002</a:t>
+            </a:r>
+            <a:endParaRPr lang="en-US" i="1" dirty="0"/>
+          </a:p>
+          <a:p>
+            <a:r>
+              <a:rPr lang="en-US" sz="1200" dirty="0"/>
+              <a:t>Images: unless otherwise stated, I stole them from the Internet. I hope they are not copyrighted, or that their use falls under the Fair Use clause, and if not, I am sorry. Please don’t sue me.</a:t>
+            </a:r>
+          </a:p>
+        </p:txBody>
+      </p:sp>
+      <p:pic>
+        <p:nvPicPr>
+          <p:cNvPr id="6" name="Picture 2">
+            <a:extLst>
+              <a:ext uri="{FF2B5EF4-FFF2-40B4-BE49-F238E27FC236}">
+                <a16:creationId xmlns:a16="http://schemas.microsoft.com/office/drawing/2014/main" id="{6E214693-AB7E-4C54-8D7C-0391735F7C4F}"/>
+              </a:ext>
+            </a:extLst>
+          </p:cNvPr>
+          <p:cNvPicPr>
+            <a:picLocks noChangeAspect="1" noChangeArrowheads="1"/>
+          </p:cNvPicPr>
+          <p:nvPr/>
+        </p:nvPicPr>
+        <p:blipFill rotWithShape="1">
+          <a:blip r:embed="rId2">
+            <a:extLst>
+              <a:ext uri="{BEBA8EAE-BF5A-486C-A8C5-ECC9F3942E4B}">
+                <a14:imgProps xmlns:a14="http://schemas.microsoft.com/office/drawing/2010/main">
+                  <a14:imgLayer r:embed="rId3">
+                    <a14:imgEffect>
+                      <a14:backgroundRemoval t="22283" b="75673" l="54554" r="90983"/>
+                    </a14:imgEffect>
+                  </a14:imgLayer>
+                </a14:imgProps>
+              </a:ext>
+              <a:ext uri="{28A0092B-C50C-407E-A947-70E740481C1C}">
+                <a14:useLocalDpi xmlns:a14="http://schemas.microsoft.com/office/drawing/2010/main" val="0"/>
+              </a:ext>
+            </a:extLst>
+          </a:blip>
+          <a:srcRect l="50000" t="15610" r="4463" b="17653"/>
+          <a:stretch/>
+        </p:blipFill>
+        <p:spPr bwMode="auto">
+          <a:xfrm>
+            <a:off x="4938382" y="1037974"/>
+            <a:ext cx="1295445" cy="884352"/>
+          </a:xfrm>
+          <a:prstGeom prst="rect">
+            <a:avLst/>
+          </a:prstGeom>
+          <a:noFill/>
+          <a:extLst>
+            <a:ext uri="{909E8E84-426E-40DD-AFC4-6F175D3DCCD1}">
+              <a14:hiddenFill xmlns:a14="http://schemas.microsoft.com/office/drawing/2010/main">
+                <a:solidFill>
+                  <a:srgbClr val="FFFFFF"/>
+                </a:solidFill>
+              </a14:hiddenFill>
+            </a:ext>
+          </a:extLst>
+        </p:spPr>
+      </p:pic>
+      <p:pic>
+        <p:nvPicPr>
+          <p:cNvPr id="7" name="Image 6">
+            <a:extLst>
+              <a:ext uri="{FF2B5EF4-FFF2-40B4-BE49-F238E27FC236}">
+                <a16:creationId xmlns:a16="http://schemas.microsoft.com/office/drawing/2014/main" id="{414D43F9-35B6-46FA-B5D4-8F2F1AA72ED1}"/>
+              </a:ext>
+            </a:extLst>
+          </p:cNvPr>
+          <p:cNvPicPr>
+            <a:picLocks noChangeAspect="1"/>
+          </p:cNvPicPr>
+          <p:nvPr/>
+        </p:nvPicPr>
+        <p:blipFill>
+          <a:blip r:embed="rId4"/>
+          <a:stretch>
+            <a:fillRect/>
+          </a:stretch>
+        </p:blipFill>
+        <p:spPr>
+          <a:xfrm>
+            <a:off x="6383826" y="1073027"/>
+            <a:ext cx="1642424" cy="574848"/>
+          </a:xfrm>
+          <a:prstGeom prst="rect">
+            <a:avLst/>
+          </a:prstGeom>
+        </p:spPr>
+      </p:pic>
+    </p:spTree>
+    <p:extLst>
+      <p:ext uri="{BB962C8B-B14F-4D97-AF65-F5344CB8AC3E}">
+        <p14:creationId xmlns:p14="http://schemas.microsoft.com/office/powerpoint/2010/main" val="938009228"/>
       </p:ext>
     </p:extLst>
   </p:cSld>
@@ -2023,8 +2543,8 @@
           </a:p>
         </p:txBody>
       </p:sp>
-      <mc:AlternateContent xmlns:mc="http://schemas.openxmlformats.org/markup-compatibility/2006">
-        <mc:Choice xmlns:a14="http://schemas.microsoft.com/office/drawing/2010/main" Requires="a14">
+      <mc:AlternateContent xmlns:mc="http://schemas.openxmlformats.org/markup-compatibility/2006" xmlns:a14="http://schemas.microsoft.com/office/drawing/2010/main">
+        <mc:Choice Requires="a14">
           <p:sp>
             <p:nvSpPr>
               <p:cNvPr id="3" name="Espace réservé du texte 2">
@@ -2392,7 +2912,7 @@
             </p:txBody>
           </p:sp>
         </mc:Choice>
-        <mc:Fallback>
+        <mc:Fallback xmlns="">
           <p:sp>
             <p:nvSpPr>
               <p:cNvPr id="3" name="Espace réservé du texte 2">
@@ -2467,7 +2987,7 @@
           <p:cNvPr id="2" name="Titre 1">
             <a:extLst>
               <a:ext uri="{FF2B5EF4-FFF2-40B4-BE49-F238E27FC236}">
-                <a16:creationId xmlns:a16="http://schemas.microsoft.com/office/drawing/2014/main" id="{E9343A17-4F1E-4A09-A652-19759750D761}"/>
+                <a16:creationId xmlns:a16="http://schemas.microsoft.com/office/drawing/2014/main" id="{AE0006B2-3F02-4768-9429-F926445F7640}"/>
               </a:ext>
             </a:extLst>
           </p:cNvPr>
@@ -2485,7 +3005,7 @@
           <a:p>
             <a:r>
               <a:rPr lang="en-US" dirty="0"/>
-              <a:t>Evolutionary algorithms (again)</a:t>
+              <a:t>Combinatorial optimization</a:t>
             </a:r>
           </a:p>
         </p:txBody>
@@ -2495,7 +3015,7 @@
           <p:cNvPr id="3" name="Espace réservé du texte 2">
             <a:extLst>
               <a:ext uri="{FF2B5EF4-FFF2-40B4-BE49-F238E27FC236}">
-                <a16:creationId xmlns:a16="http://schemas.microsoft.com/office/drawing/2014/main" id="{5CCE075C-893A-4031-8E37-F4AA0FE3D692}"/>
+                <a16:creationId xmlns:a16="http://schemas.microsoft.com/office/drawing/2014/main" id="{130C8E20-7C5F-40A6-B03C-00B9A0AE9DC4}"/>
               </a:ext>
             </a:extLst>
           </p:cNvPr>
@@ -2518,7 +3038,7 @@
     </p:spTree>
     <p:extLst>
       <p:ext uri="{BB962C8B-B14F-4D97-AF65-F5344CB8AC3E}">
-        <p14:creationId xmlns:p14="http://schemas.microsoft.com/office/powerpoint/2010/main" val="3214944582"/>
+        <p14:creationId xmlns:p14="http://schemas.microsoft.com/office/powerpoint/2010/main" val="25303655"/>
       </p:ext>
     </p:extLst>
   </p:cSld>
@@ -2550,7 +3070,7 @@
           <p:cNvPr id="2" name="Titre 1">
             <a:extLst>
               <a:ext uri="{FF2B5EF4-FFF2-40B4-BE49-F238E27FC236}">
-                <a16:creationId xmlns:a16="http://schemas.microsoft.com/office/drawing/2014/main" id="{A35804AD-8A64-471F-B00C-4F440CA6AF52}"/>
+                <a16:creationId xmlns:a16="http://schemas.microsoft.com/office/drawing/2014/main" id="{001B60FC-8237-4A7A-AE70-9D953CD62C7D}"/>
               </a:ext>
             </a:extLst>
           </p:cNvPr>
@@ -2568,7 +3088,7 @@
           <a:p>
             <a:r>
               <a:rPr lang="en-US" dirty="0"/>
-              <a:t>Covariance Matrix Adaptation (again)</a:t>
+              <a:t>Branch and bound</a:t>
             </a:r>
           </a:p>
         </p:txBody>
@@ -2578,7 +3098,7 @@
           <p:cNvPr id="3" name="Espace réservé du texte 2">
             <a:extLst>
               <a:ext uri="{FF2B5EF4-FFF2-40B4-BE49-F238E27FC236}">
-                <a16:creationId xmlns:a16="http://schemas.microsoft.com/office/drawing/2014/main" id="{4B53BB99-9F93-46F6-A7A5-1DAA79FCFD13}"/>
+                <a16:creationId xmlns:a16="http://schemas.microsoft.com/office/drawing/2014/main" id="{D736BCAF-06E4-4B9E-B33F-C1214BA31285}"/>
               </a:ext>
             </a:extLst>
           </p:cNvPr>
@@ -2594,23 +3114,14 @@
           <a:bodyPr/>
           <a:lstStyle/>
           <a:p>
-            <a:r>
-              <a:rPr lang="en-US" dirty="0"/>
-              <a:t>Classic CMA-ES with continuous variables</a:t>
-            </a:r>
-          </a:p>
-          <a:p>
-            <a:r>
-              <a:rPr lang="en-US" dirty="0"/>
-              <a:t>Round up the discrete variables to the closest integer</a:t>
-            </a:r>
+            <a:endParaRPr lang="en-US"/>
           </a:p>
         </p:txBody>
       </p:sp>
     </p:spTree>
     <p:extLst>
       <p:ext uri="{BB962C8B-B14F-4D97-AF65-F5344CB8AC3E}">
-        <p14:creationId xmlns:p14="http://schemas.microsoft.com/office/powerpoint/2010/main" val="478420095"/>
+        <p14:creationId xmlns:p14="http://schemas.microsoft.com/office/powerpoint/2010/main" val="305770914"/>
       </p:ext>
     </p:extLst>
   </p:cSld>
@@ -2639,10 +3150,10 @@
       </p:grpSpPr>
       <p:sp>
         <p:nvSpPr>
-          <p:cNvPr id="4" name="Titre 3">
-            <a:extLst>
-              <a:ext uri="{FF2B5EF4-FFF2-40B4-BE49-F238E27FC236}">
-                <a16:creationId xmlns:a16="http://schemas.microsoft.com/office/drawing/2014/main" id="{B53E8A05-42BD-489E-BF5F-958C213739DF}"/>
+          <p:cNvPr id="2" name="Titre 1">
+            <a:extLst>
+              <a:ext uri="{FF2B5EF4-FFF2-40B4-BE49-F238E27FC236}">
+                <a16:creationId xmlns:a16="http://schemas.microsoft.com/office/drawing/2014/main" id="{C652F9B2-9043-4AD5-BC6D-2E7791C7FAFA}"/>
               </a:ext>
             </a:extLst>
           </p:cNvPr>
@@ -2650,7 +3161,7 @@
             <a:spLocks noGrp="1"/>
           </p:cNvSpPr>
           <p:nvPr>
-            <p:ph type="ctrTitle"/>
+            <p:ph type="title"/>
           </p:nvPr>
         </p:nvSpPr>
         <p:spPr/>
@@ -2660,17 +3171,17 @@
           <a:p>
             <a:r>
               <a:rPr lang="en-US" dirty="0"/>
-              <a:t>Questions?</a:t>
+              <a:t>Traveling salesman problem</a:t>
             </a:r>
           </a:p>
         </p:txBody>
       </p:sp>
       <p:sp>
         <p:nvSpPr>
-          <p:cNvPr id="5" name="Sous-titre 4">
-            <a:extLst>
-              <a:ext uri="{FF2B5EF4-FFF2-40B4-BE49-F238E27FC236}">
-                <a16:creationId xmlns:a16="http://schemas.microsoft.com/office/drawing/2014/main" id="{CEB63DBD-0FC0-4057-AC92-1717C1D0ED55}"/>
+          <p:cNvPr id="3" name="Espace réservé du texte 2">
+            <a:extLst>
+              <a:ext uri="{FF2B5EF4-FFF2-40B4-BE49-F238E27FC236}">
+                <a16:creationId xmlns:a16="http://schemas.microsoft.com/office/drawing/2014/main" id="{A5CF0197-4F11-4AC8-B538-7BF4EF2F8D9C}"/>
               </a:ext>
             </a:extLst>
           </p:cNvPr>
@@ -2678,143 +3189,542 @@
             <a:spLocks noGrp="1"/>
           </p:cNvSpPr>
           <p:nvPr>
-            <p:ph type="subTitle" idx="1"/>
+            <p:ph type="body" sz="quarter" idx="10"/>
           </p:nvPr>
         </p:nvSpPr>
         <p:spPr/>
         <p:txBody>
-          <a:bodyPr>
-            <a:noAutofit/>
-          </a:bodyPr>
+          <a:bodyPr/>
           <a:lstStyle/>
           <a:p>
             <a:r>
               <a:rPr lang="en-US" dirty="0"/>
-              <a:t>Bibliography</a:t>
-            </a:r>
-            <a:br>
+              <a:t>Salesman has to visit multiple cities once, in any order</a:t>
+            </a:r>
+          </a:p>
+          <a:p>
+            <a:r>
               <a:rPr lang="en-US" dirty="0"/>
-            </a:br>
-            <a:r>
-              <a:rPr lang="en-US" dirty="0"/>
-              <a:t>- </a:t>
-            </a:r>
-            <a:r>
-              <a:rPr lang="en-US" dirty="0" err="1"/>
-              <a:t>Kochenderfer</a:t>
-            </a:r>
-            <a:r>
-              <a:rPr lang="en-US" dirty="0"/>
-              <a:t> &amp; Wheeler, </a:t>
-            </a:r>
-            <a:r>
-              <a:rPr lang="en-US" i="1" dirty="0"/>
-              <a:t>Algorithms for Optimization</a:t>
-            </a:r>
-            <a:r>
-              <a:rPr lang="en-US" dirty="0"/>
-              <a:t>, MIT Press, 2019</a:t>
-            </a:r>
-            <a:br>
-              <a:rPr lang="en-US" dirty="0"/>
-            </a:br>
-            <a:r>
-              <a:rPr lang="en-US" dirty="0"/>
-              <a:t>- </a:t>
-            </a:r>
-            <a:r>
-              <a:rPr lang="en-US" dirty="0" err="1"/>
-              <a:t>Vanderbei</a:t>
-            </a:r>
-            <a:r>
-              <a:rPr lang="en-US" dirty="0"/>
-              <a:t>, </a:t>
-            </a:r>
-            <a:r>
-              <a:rPr lang="en-US" i="1" dirty="0"/>
-              <a:t>Linear Programming: Foundations and Extensions</a:t>
-            </a:r>
-            <a:r>
-              <a:rPr lang="en-US" dirty="0"/>
-              <a:t>, 2014</a:t>
-            </a:r>
-            <a:br>
-              <a:rPr lang="en-US" dirty="0"/>
-            </a:br>
-            <a:r>
-              <a:rPr lang="en-US" dirty="0"/>
-              <a:t>- Hamano et al., </a:t>
-            </a:r>
-            <a:r>
-              <a:rPr lang="en-US" i="1" dirty="0"/>
-              <a:t>CMA-ES with Margin: Lower-Bounding Marginal Probability for Mixed-Integer Black-Box Optimization</a:t>
-            </a:r>
-            <a:r>
-              <a:rPr lang="en-US" dirty="0"/>
-              <a:t>, 2022</a:t>
-            </a:r>
-            <a:endParaRPr lang="en-US" i="1" dirty="0"/>
-          </a:p>
-          <a:p>
-            <a:r>
-              <a:rPr lang="en-US" sz="1200" dirty="0"/>
-              <a:t>Images: unless otherwise stated, I stole them from the Internet. I hope they are not copyrighted, or that their use falls under the Fair Use clause, and if not, I am sorry. Please don’t sue me.</a:t>
+              <a:t>What is the optimal order, to minimize total time?</a:t>
             </a:r>
           </a:p>
         </p:txBody>
       </p:sp>
       <p:pic>
         <p:nvPicPr>
-          <p:cNvPr id="6" name="Picture 2">
-            <a:extLst>
-              <a:ext uri="{FF2B5EF4-FFF2-40B4-BE49-F238E27FC236}">
-                <a16:creationId xmlns:a16="http://schemas.microsoft.com/office/drawing/2014/main" id="{6E214693-AB7E-4C54-8D7C-0391735F7C4F}"/>
+          <p:cNvPr id="4" name="Image 3" descr="TSPmap002g.png">
+            <a:extLst>
+              <a:ext uri="{FF2B5EF4-FFF2-40B4-BE49-F238E27FC236}">
+                <a16:creationId xmlns:a16="http://schemas.microsoft.com/office/drawing/2014/main" id="{8ED019AE-249F-4239-B487-B2F266515538}"/>
               </a:ext>
             </a:extLst>
           </p:cNvPr>
           <p:cNvPicPr>
-            <a:picLocks noChangeAspect="1" noChangeArrowheads="1"/>
+            <a:picLocks noChangeAspect="1"/>
           </p:cNvPicPr>
           <p:nvPr/>
         </p:nvPicPr>
         <p:blipFill rotWithShape="1">
           <a:blip r:embed="rId2">
             <a:extLst>
-              <a:ext uri="{BEBA8EAE-BF5A-486C-A8C5-ECC9F3942E4B}">
-                <a14:imgProps xmlns:a14="http://schemas.microsoft.com/office/drawing/2010/main">
-                  <a14:imgLayer r:embed="rId3">
-                    <a14:imgEffect>
-                      <a14:backgroundRemoval t="22283" b="75673" l="54554" r="90983"/>
-                    </a14:imgEffect>
-                  </a14:imgLayer>
-                </a14:imgProps>
-              </a:ext>
               <a:ext uri="{28A0092B-C50C-407E-A947-70E740481C1C}">
                 <a14:useLocalDpi xmlns:a14="http://schemas.microsoft.com/office/drawing/2010/main" val="0"/>
               </a:ext>
             </a:extLst>
           </a:blip>
-          <a:srcRect l="50000" t="15610" r="4463" b="17653"/>
+          <a:srcRect l="1129" t="1397" r="1428" b="4925"/>
           <a:stretch/>
         </p:blipFill>
-        <p:spPr bwMode="auto">
+        <p:spPr>
           <a:xfrm>
-            <a:off x="4938382" y="1037974"/>
-            <a:ext cx="1295445" cy="884352"/>
+            <a:off x="3728720" y="2543175"/>
+            <a:ext cx="4734560" cy="3556000"/>
           </a:xfrm>
           <a:prstGeom prst="rect">
             <a:avLst/>
           </a:prstGeom>
-          <a:noFill/>
-          <a:extLst>
-            <a:ext uri="{909E8E84-426E-40DD-AFC4-6F175D3DCCD1}">
-              <a14:hiddenFill xmlns:a14="http://schemas.microsoft.com/office/drawing/2010/main">
-                <a:solidFill>
-                  <a:srgbClr val="FFFFFF"/>
-                </a:solidFill>
-              </a14:hiddenFill>
-            </a:ext>
-          </a:extLst>
+        </p:spPr>
+      </p:pic>
+    </p:spTree>
+    <p:extLst>
+      <p:ext uri="{BB962C8B-B14F-4D97-AF65-F5344CB8AC3E}">
+        <p14:creationId xmlns:p14="http://schemas.microsoft.com/office/powerpoint/2010/main" val="3092316385"/>
+      </p:ext>
+    </p:extLst>
+  </p:cSld>
+  <p:clrMapOvr>
+    <a:masterClrMapping/>
+  </p:clrMapOvr>
+</p:sld>
+</file>
+
+<file path=ppt/slides/slide7.xml><?xml version="1.0" encoding="utf-8"?>
+<p:sld xmlns:a="http://schemas.openxmlformats.org/drawingml/2006/main" xmlns:r="http://schemas.openxmlformats.org/officeDocument/2006/relationships" xmlns:p="http://schemas.openxmlformats.org/presentationml/2006/main">
+  <p:cSld>
+    <p:spTree>
+      <p:nvGrpSpPr>
+        <p:cNvPr id="1" name=""/>
+        <p:cNvGrpSpPr/>
+        <p:nvPr/>
+      </p:nvGrpSpPr>
+      <p:grpSpPr>
+        <a:xfrm>
+          <a:off x="0" y="0"/>
+          <a:ext cx="0" cy="0"/>
+          <a:chOff x="0" y="0"/>
+          <a:chExt cx="0" cy="0"/>
+        </a:xfrm>
+      </p:grpSpPr>
+      <p:sp>
+        <p:nvSpPr>
+          <p:cNvPr id="2" name="Titre 1">
+            <a:extLst>
+              <a:ext uri="{FF2B5EF4-FFF2-40B4-BE49-F238E27FC236}">
+                <a16:creationId xmlns:a16="http://schemas.microsoft.com/office/drawing/2014/main" id="{9C1F01D1-9060-4812-BE17-1C968169D152}"/>
+              </a:ext>
+            </a:extLst>
+          </p:cNvPr>
+          <p:cNvSpPr>
+            <a:spLocks noGrp="1"/>
+          </p:cNvSpPr>
+          <p:nvPr>
+            <p:ph type="title"/>
+          </p:nvPr>
+        </p:nvSpPr>
+        <p:spPr/>
+        <p:txBody>
+          <a:bodyPr/>
+          <a:lstStyle/>
+          <a:p>
+            <a:r>
+              <a:rPr lang="en-US" dirty="0"/>
+              <a:t>Traveling salesman problem</a:t>
+            </a:r>
+          </a:p>
+        </p:txBody>
+      </p:sp>
+      <mc:AlternateContent xmlns:mc="http://schemas.openxmlformats.org/markup-compatibility/2006">
+        <mc:Choice xmlns:a14="http://schemas.microsoft.com/office/drawing/2010/main" Requires="a14">
+          <p:sp>
+            <p:nvSpPr>
+              <p:cNvPr id="3" name="Espace réservé du texte 2">
+                <a:extLst>
+                  <a:ext uri="{FF2B5EF4-FFF2-40B4-BE49-F238E27FC236}">
+                    <a16:creationId xmlns:a16="http://schemas.microsoft.com/office/drawing/2014/main" id="{604BCC16-6233-4BD1-8700-C695E38D23D1}"/>
+                  </a:ext>
+                </a:extLst>
+              </p:cNvPr>
+              <p:cNvSpPr>
+                <a:spLocks noGrp="1"/>
+              </p:cNvSpPr>
+              <p:nvPr>
+                <p:ph type="body" sz="quarter" idx="10"/>
+              </p:nvPr>
+            </p:nvSpPr>
+            <p:spPr/>
+            <p:txBody>
+              <a:bodyPr>
+                <a:normAutofit/>
+              </a:bodyPr>
+              <a:lstStyle/>
+              <a:p>
+                <a:r>
+                  <a:rPr lang="en-US" dirty="0"/>
+                  <a:t>Combinatorial: compute total number of possible paths</a:t>
+                </a:r>
+              </a:p>
+              <a:p>
+                <a:endParaRPr lang="en-US" dirty="0"/>
+              </a:p>
+              <a:p>
+                <a:pPr marL="0" indent="0">
+                  <a:buNone/>
+                </a:pPr>
+                <a14:m>
+                  <m:oMathPara xmlns:m="http://schemas.openxmlformats.org/officeDocument/2006/math">
+                    <m:oMathParaPr>
+                      <m:jc m:val="centerGroup"/>
+                    </m:oMathParaPr>
+                    <m:oMath xmlns:m="http://schemas.openxmlformats.org/officeDocument/2006/math">
+                      <m:sSub>
+                        <m:sSubPr>
+                          <m:ctrlPr>
+                            <a:rPr lang="en-US" i="1" smtClean="0">
+                              <a:latin typeface="Cambria Math" panose="02040503050406030204" pitchFamily="18" charset="0"/>
+                            </a:rPr>
+                          </m:ctrlPr>
+                        </m:sSubPr>
+                        <m:e>
+                          <m:r>
+                            <a:rPr lang="it-IT" b="0" i="1" smtClean="0">
+                              <a:latin typeface="Cambria Math" panose="02040503050406030204" pitchFamily="18" charset="0"/>
+                            </a:rPr>
+                            <m:t>𝑛</m:t>
+                          </m:r>
+                        </m:e>
+                        <m:sub>
+                          <m:r>
+                            <a:rPr lang="it-IT" b="0" i="1" smtClean="0">
+                              <a:latin typeface="Cambria Math" panose="02040503050406030204" pitchFamily="18" charset="0"/>
+                            </a:rPr>
+                            <m:t>𝑝</m:t>
+                          </m:r>
+                        </m:sub>
+                      </m:sSub>
+                      <m:r>
+                        <a:rPr lang="it-IT" b="0" i="1" smtClean="0">
+                          <a:latin typeface="Cambria Math" panose="02040503050406030204" pitchFamily="18" charset="0"/>
+                        </a:rPr>
+                        <m:t>=</m:t>
+                      </m:r>
+                      <m:f>
+                        <m:fPr>
+                          <m:ctrlPr>
+                            <a:rPr lang="it-IT" b="0" i="1" smtClean="0">
+                              <a:latin typeface="Cambria Math" panose="02040503050406030204" pitchFamily="18" charset="0"/>
+                            </a:rPr>
+                          </m:ctrlPr>
+                        </m:fPr>
+                        <m:num>
+                          <m:sSub>
+                            <m:sSubPr>
+                              <m:ctrlPr>
+                                <a:rPr lang="it-IT" b="0" i="1" smtClean="0">
+                                  <a:latin typeface="Cambria Math" panose="02040503050406030204" pitchFamily="18" charset="0"/>
+                                </a:rPr>
+                              </m:ctrlPr>
+                            </m:sSubPr>
+                            <m:e>
+                              <m:r>
+                                <a:rPr lang="it-IT" b="0" i="1" smtClean="0">
+                                  <a:latin typeface="Cambria Math" panose="02040503050406030204" pitchFamily="18" charset="0"/>
+                                </a:rPr>
+                                <m:t>(</m:t>
+                              </m:r>
+                              <m:r>
+                                <a:rPr lang="it-IT" b="0" i="1" smtClean="0">
+                                  <a:latin typeface="Cambria Math" panose="02040503050406030204" pitchFamily="18" charset="0"/>
+                                </a:rPr>
+                                <m:t>𝑛</m:t>
+                              </m:r>
+                            </m:e>
+                            <m:sub>
+                              <m:r>
+                                <a:rPr lang="it-IT" b="0" i="1" smtClean="0">
+                                  <a:latin typeface="Cambria Math" panose="02040503050406030204" pitchFamily="18" charset="0"/>
+                                </a:rPr>
+                                <m:t>𝑐</m:t>
+                              </m:r>
+                            </m:sub>
+                          </m:sSub>
+                          <m:r>
+                            <a:rPr lang="it-IT" b="0" i="1" smtClean="0">
+                              <a:latin typeface="Cambria Math" panose="02040503050406030204" pitchFamily="18" charset="0"/>
+                            </a:rPr>
+                            <m:t>−1)!</m:t>
+                          </m:r>
+                        </m:num>
+                        <m:den>
+                          <m:r>
+                            <a:rPr lang="it-IT" b="0" i="1" smtClean="0">
+                              <a:latin typeface="Cambria Math" panose="02040503050406030204" pitchFamily="18" charset="0"/>
+                            </a:rPr>
+                            <m:t>2</m:t>
+                          </m:r>
+                        </m:den>
+                      </m:f>
+                    </m:oMath>
+                  </m:oMathPara>
+                </a14:m>
+                <a:endParaRPr lang="en-US" dirty="0"/>
+              </a:p>
+              <a:p>
+                <a:r>
+                  <a:rPr lang="en-US" dirty="0"/>
+                  <a:t>With </a:t>
+                </a:r>
+                <a14:m>
+                  <m:oMath xmlns:m="http://schemas.openxmlformats.org/officeDocument/2006/math">
+                    <m:sSub>
+                      <m:sSubPr>
+                        <m:ctrlPr>
+                          <a:rPr lang="it-IT" b="0" i="1" smtClean="0">
+                            <a:latin typeface="Cambria Math" panose="02040503050406030204" pitchFamily="18" charset="0"/>
+                          </a:rPr>
+                        </m:ctrlPr>
+                      </m:sSubPr>
+                      <m:e>
+                        <m:r>
+                          <a:rPr lang="it-IT" b="0" i="1" smtClean="0">
+                            <a:latin typeface="Cambria Math" panose="02040503050406030204" pitchFamily="18" charset="0"/>
+                          </a:rPr>
+                          <m:t>𝑛</m:t>
+                        </m:r>
+                      </m:e>
+                      <m:sub>
+                        <m:r>
+                          <a:rPr lang="it-IT" b="0" i="1" smtClean="0">
+                            <a:latin typeface="Cambria Math" panose="02040503050406030204" pitchFamily="18" charset="0"/>
+                          </a:rPr>
+                          <m:t>𝑐</m:t>
+                        </m:r>
+                      </m:sub>
+                    </m:sSub>
+                  </m:oMath>
+                </a14:m>
+                <a:r>
+                  <a:rPr lang="en-US" dirty="0"/>
+                  <a:t> being the number of cities</a:t>
+                </a:r>
+              </a:p>
+              <a:p>
+                <a:pPr lvl="1"/>
+                <a:r>
+                  <a:rPr lang="en-US" dirty="0"/>
+                  <a:t>For 30 cities, 4.42 x 10</a:t>
+                </a:r>
+                <a:r>
+                  <a:rPr lang="en-US" baseline="30000" dirty="0"/>
+                  <a:t>30</a:t>
+                </a:r>
+                <a:r>
+                  <a:rPr lang="en-US" dirty="0"/>
+                  <a:t> possible paths</a:t>
+                </a:r>
+              </a:p>
+              <a:p>
+                <a:pPr lvl="1"/>
+                <a:r>
+                  <a:rPr lang="en-US" dirty="0"/>
+                  <a:t>For 100 cities, 4.67 x 10</a:t>
+                </a:r>
+                <a:r>
+                  <a:rPr lang="en-US" baseline="30000" dirty="0"/>
+                  <a:t>155</a:t>
+                </a:r>
+                <a:endParaRPr lang="en-US" dirty="0"/>
+              </a:p>
+              <a:p>
+                <a:pPr lvl="1"/>
+                <a:r>
+                  <a:rPr lang="en-US" dirty="0"/>
+                  <a:t>For 1,000 cities, 2.01 x 10</a:t>
+                </a:r>
+                <a:r>
+                  <a:rPr lang="en-US" baseline="30000" dirty="0"/>
+                  <a:t>249</a:t>
+                </a:r>
+                <a:endParaRPr lang="en-US" dirty="0"/>
+              </a:p>
+              <a:p>
+                <a:r>
+                  <a:rPr lang="en-US" dirty="0"/>
+                  <a:t>Estimated number of atoms in the universe: 10</a:t>
+                </a:r>
+                <a:r>
+                  <a:rPr lang="en-US" baseline="30000" dirty="0"/>
+                  <a:t>78</a:t>
+                </a:r>
+                <a:r>
+                  <a:rPr lang="en-US" dirty="0"/>
+                  <a:t> </a:t>
+                </a:r>
+                <a:r>
+                  <a:rPr lang="it-IT" dirty="0"/>
+                  <a:t>- 10</a:t>
+                </a:r>
+                <a:r>
+                  <a:rPr lang="it-IT" baseline="30000" dirty="0"/>
+                  <a:t>82</a:t>
+                </a:r>
+                <a:endParaRPr lang="en-US" baseline="30000" dirty="0"/>
+              </a:p>
+            </p:txBody>
+          </p:sp>
+        </mc:Choice>
+        <mc:Fallback>
+          <p:sp>
+            <p:nvSpPr>
+              <p:cNvPr id="3" name="Espace réservé du texte 2">
+                <a:extLst>
+                  <a:ext uri="{FF2B5EF4-FFF2-40B4-BE49-F238E27FC236}">
+                    <a16:creationId xmlns:a16="http://schemas.microsoft.com/office/drawing/2014/main" id="{604BCC16-6233-4BD1-8700-C695E38D23D1}"/>
+                  </a:ext>
+                </a:extLst>
+              </p:cNvPr>
+              <p:cNvSpPr>
+                <a:spLocks noGrp="1" noRot="1" noChangeAspect="1" noMove="1" noResize="1" noEditPoints="1" noAdjustHandles="1" noChangeArrowheads="1" noChangeShapeType="1" noTextEdit="1"/>
+              </p:cNvSpPr>
+              <p:nvPr>
+                <p:ph type="body" sz="quarter" idx="10"/>
+              </p:nvPr>
+            </p:nvSpPr>
+            <p:spPr>
+              <a:blipFill>
+                <a:blip r:embed="rId2"/>
+                <a:stretch>
+                  <a:fillRect l="-1333" t="-2734"/>
+                </a:stretch>
+              </a:blipFill>
+            </p:spPr>
+            <p:txBody>
+              <a:bodyPr/>
+              <a:lstStyle/>
+              <a:p>
+                <a:r>
+                  <a:rPr lang="en-US">
+                    <a:noFill/>
+                  </a:rPr>
+                  <a:t> </a:t>
+                </a:r>
+              </a:p>
+            </p:txBody>
+          </p:sp>
+        </mc:Fallback>
+      </mc:AlternateContent>
+    </p:spTree>
+    <p:extLst>
+      <p:ext uri="{BB962C8B-B14F-4D97-AF65-F5344CB8AC3E}">
+        <p14:creationId xmlns:p14="http://schemas.microsoft.com/office/powerpoint/2010/main" val="2753230885"/>
+      </p:ext>
+    </p:extLst>
+  </p:cSld>
+  <p:clrMapOvr>
+    <a:masterClrMapping/>
+  </p:clrMapOvr>
+</p:sld>
+</file>
+
+<file path=ppt/slides/slide8.xml><?xml version="1.0" encoding="utf-8"?>
+<p:sld xmlns:a="http://schemas.openxmlformats.org/drawingml/2006/main" xmlns:r="http://schemas.openxmlformats.org/officeDocument/2006/relationships" xmlns:p="http://schemas.openxmlformats.org/presentationml/2006/main">
+  <p:cSld>
+    <p:spTree>
+      <p:nvGrpSpPr>
+        <p:cNvPr id="1" name=""/>
+        <p:cNvGrpSpPr/>
+        <p:nvPr/>
+      </p:nvGrpSpPr>
+      <p:grpSpPr>
+        <a:xfrm>
+          <a:off x="0" y="0"/>
+          <a:ext cx="0" cy="0"/>
+          <a:chOff x="0" y="0"/>
+          <a:chExt cx="0" cy="0"/>
+        </a:xfrm>
+      </p:grpSpPr>
+      <p:sp>
+        <p:nvSpPr>
+          <p:cNvPr id="2" name="Titre 1">
+            <a:extLst>
+              <a:ext uri="{FF2B5EF4-FFF2-40B4-BE49-F238E27FC236}">
+                <a16:creationId xmlns:a16="http://schemas.microsoft.com/office/drawing/2014/main" id="{5FFE4FC0-E228-4409-ACF7-C2250A427337}"/>
+              </a:ext>
+            </a:extLst>
+          </p:cNvPr>
+          <p:cNvSpPr>
+            <a:spLocks noGrp="1"/>
+          </p:cNvSpPr>
+          <p:nvPr>
+            <p:ph type="title"/>
+          </p:nvPr>
+        </p:nvSpPr>
+        <p:spPr/>
+        <p:txBody>
+          <a:bodyPr/>
+          <a:lstStyle/>
+          <a:p>
+            <a:r>
+              <a:rPr lang="en-US" dirty="0"/>
+              <a:t>Traveling salesman problem</a:t>
+            </a:r>
+          </a:p>
+        </p:txBody>
+      </p:sp>
+      <p:sp>
+        <p:nvSpPr>
+          <p:cNvPr id="3" name="Espace réservé du texte 2">
+            <a:extLst>
+              <a:ext uri="{FF2B5EF4-FFF2-40B4-BE49-F238E27FC236}">
+                <a16:creationId xmlns:a16="http://schemas.microsoft.com/office/drawing/2014/main" id="{2BCE3EDD-D82F-4F96-9376-FD0642271E6E}"/>
+              </a:ext>
+            </a:extLst>
+          </p:cNvPr>
+          <p:cNvSpPr>
+            <a:spLocks noGrp="1"/>
+          </p:cNvSpPr>
+          <p:nvPr>
+            <p:ph type="body" sz="quarter" idx="10"/>
+          </p:nvPr>
+        </p:nvSpPr>
+        <p:spPr/>
+        <p:txBody>
+          <a:bodyPr/>
+          <a:lstStyle/>
+          <a:p>
+            <a:r>
+              <a:rPr lang="en-US" dirty="0"/>
+              <a:t>The best algorithm is </a:t>
+            </a:r>
+            <a:r>
+              <a:rPr lang="en-US" i="1" dirty="0"/>
+              <a:t>heuristic</a:t>
+            </a:r>
+            <a:endParaRPr lang="en-US" dirty="0"/>
+          </a:p>
+          <a:p>
+            <a:pPr lvl="1"/>
+            <a:r>
+              <a:rPr lang="en-US" dirty="0"/>
+              <a:t>Mix of linear programming, evolutionary algorithms, …</a:t>
+            </a:r>
+          </a:p>
+          <a:p>
+            <a:pPr lvl="1"/>
+            <a:r>
+              <a:rPr lang="en-US" dirty="0"/>
+              <a:t>CONCORDE: </a:t>
+            </a:r>
+            <a:r>
+              <a:rPr lang="en-US" dirty="0">
+                <a:hlinkClick r:id="rId2"/>
+              </a:rPr>
+              <a:t>https://www.math.uwaterloo.ca/tsp/index.html</a:t>
+            </a:r>
+            <a:r>
+              <a:rPr lang="en-US" dirty="0"/>
+              <a:t> </a:t>
+            </a:r>
+          </a:p>
+        </p:txBody>
+      </p:sp>
+      <p:pic>
+        <p:nvPicPr>
+          <p:cNvPr id="5" name="Image 4">
+            <a:extLst>
+              <a:ext uri="{FF2B5EF4-FFF2-40B4-BE49-F238E27FC236}">
+                <a16:creationId xmlns:a16="http://schemas.microsoft.com/office/drawing/2014/main" id="{31FD9735-5A89-403D-A4D3-F61F4943CFE5}"/>
+              </a:ext>
+            </a:extLst>
+          </p:cNvPr>
+          <p:cNvPicPr>
+            <a:picLocks noChangeAspect="1"/>
+          </p:cNvPicPr>
+          <p:nvPr/>
+        </p:nvPicPr>
+        <p:blipFill>
+          <a:blip r:embed="rId3"/>
+          <a:stretch>
+            <a:fillRect/>
+          </a:stretch>
+        </p:blipFill>
+        <p:spPr>
+          <a:xfrm>
+            <a:off x="283070" y="3188125"/>
+            <a:ext cx="3858163" cy="2572109"/>
+          </a:xfrm>
+          <a:prstGeom prst="rect">
+            <a:avLst/>
+          </a:prstGeom>
         </p:spPr>
       </p:pic>
       <p:pic>
@@ -2822,7 +3732,7 @@
           <p:cNvPr id="7" name="Image 6">
             <a:extLst>
               <a:ext uri="{FF2B5EF4-FFF2-40B4-BE49-F238E27FC236}">
-                <a16:creationId xmlns:a16="http://schemas.microsoft.com/office/drawing/2014/main" id="{414D43F9-35B6-46FA-B5D4-8F2F1AA72ED1}"/>
+                <a16:creationId xmlns:a16="http://schemas.microsoft.com/office/drawing/2014/main" id="{11510A92-8C0B-4542-8A8D-DB9BF0B90EE0}"/>
               </a:ext>
             </a:extLst>
           </p:cNvPr>
@@ -2839,8 +3749,38 @@
         </p:blipFill>
         <p:spPr>
           <a:xfrm>
-            <a:off x="6383826" y="1073027"/>
-            <a:ext cx="1642424" cy="574848"/>
+            <a:off x="4302695" y="3210882"/>
+            <a:ext cx="3781953" cy="2343477"/>
+          </a:xfrm>
+          <a:prstGeom prst="rect">
+            <a:avLst/>
+          </a:prstGeom>
+        </p:spPr>
+      </p:pic>
+      <p:pic>
+        <p:nvPicPr>
+          <p:cNvPr id="9" name="Image 8">
+            <a:extLst>
+              <a:ext uri="{FF2B5EF4-FFF2-40B4-BE49-F238E27FC236}">
+                <a16:creationId xmlns:a16="http://schemas.microsoft.com/office/drawing/2014/main" id="{966123D9-DFD8-4B11-A217-5C0E7EC93C83}"/>
+              </a:ext>
+            </a:extLst>
+          </p:cNvPr>
+          <p:cNvPicPr>
+            <a:picLocks noChangeAspect="1"/>
+          </p:cNvPicPr>
+          <p:nvPr/>
+        </p:nvPicPr>
+        <p:blipFill>
+          <a:blip r:embed="rId5"/>
+          <a:stretch>
+            <a:fillRect/>
+          </a:stretch>
+        </p:blipFill>
+        <p:spPr>
+          <a:xfrm>
+            <a:off x="8240858" y="3210882"/>
+            <a:ext cx="3734321" cy="2362530"/>
           </a:xfrm>
           <a:prstGeom prst="rect">
             <a:avLst/>
@@ -2850,7 +3790,90 @@
     </p:spTree>
     <p:extLst>
       <p:ext uri="{BB962C8B-B14F-4D97-AF65-F5344CB8AC3E}">
-        <p14:creationId xmlns:p14="http://schemas.microsoft.com/office/powerpoint/2010/main" val="938009228"/>
+        <p14:creationId xmlns:p14="http://schemas.microsoft.com/office/powerpoint/2010/main" val="2489612910"/>
+      </p:ext>
+    </p:extLst>
+  </p:cSld>
+  <p:clrMapOvr>
+    <a:masterClrMapping/>
+  </p:clrMapOvr>
+</p:sld>
+</file>
+
+<file path=ppt/slides/slide9.xml><?xml version="1.0" encoding="utf-8"?>
+<p:sld xmlns:a="http://schemas.openxmlformats.org/drawingml/2006/main" xmlns:r="http://schemas.openxmlformats.org/officeDocument/2006/relationships" xmlns:p="http://schemas.openxmlformats.org/presentationml/2006/main">
+  <p:cSld>
+    <p:spTree>
+      <p:nvGrpSpPr>
+        <p:cNvPr id="1" name=""/>
+        <p:cNvGrpSpPr/>
+        <p:nvPr/>
+      </p:nvGrpSpPr>
+      <p:grpSpPr>
+        <a:xfrm>
+          <a:off x="0" y="0"/>
+          <a:ext cx="0" cy="0"/>
+          <a:chOff x="0" y="0"/>
+          <a:chExt cx="0" cy="0"/>
+        </a:xfrm>
+      </p:grpSpPr>
+      <p:sp>
+        <p:nvSpPr>
+          <p:cNvPr id="2" name="Titre 1">
+            <a:extLst>
+              <a:ext uri="{FF2B5EF4-FFF2-40B4-BE49-F238E27FC236}">
+                <a16:creationId xmlns:a16="http://schemas.microsoft.com/office/drawing/2014/main" id="{62148896-1C2E-41D1-933E-A86A941A3FDE}"/>
+              </a:ext>
+            </a:extLst>
+          </p:cNvPr>
+          <p:cNvSpPr>
+            <a:spLocks noGrp="1"/>
+          </p:cNvSpPr>
+          <p:nvPr>
+            <p:ph type="title"/>
+          </p:nvPr>
+        </p:nvSpPr>
+        <p:spPr/>
+        <p:txBody>
+          <a:bodyPr/>
+          <a:lstStyle/>
+          <a:p>
+            <a:r>
+              <a:rPr lang="en-US" dirty="0"/>
+              <a:t>Mixed-integer linear programming</a:t>
+            </a:r>
+          </a:p>
+        </p:txBody>
+      </p:sp>
+      <p:sp>
+        <p:nvSpPr>
+          <p:cNvPr id="3" name="Espace réservé du texte 2">
+            <a:extLst>
+              <a:ext uri="{FF2B5EF4-FFF2-40B4-BE49-F238E27FC236}">
+                <a16:creationId xmlns:a16="http://schemas.microsoft.com/office/drawing/2014/main" id="{2937A5F0-C5EC-4D05-ADF3-380D6875D4CD}"/>
+              </a:ext>
+            </a:extLst>
+          </p:cNvPr>
+          <p:cNvSpPr>
+            <a:spLocks noGrp="1"/>
+          </p:cNvSpPr>
+          <p:nvPr>
+            <p:ph type="body" sz="quarter" idx="10"/>
+          </p:nvPr>
+        </p:nvSpPr>
+        <p:spPr/>
+        <p:txBody>
+          <a:bodyPr/>
+          <a:lstStyle/>
+          <a:p>
+            <a:endParaRPr lang="en-US"/>
+          </a:p>
+        </p:txBody>
+      </p:sp>
+    </p:spTree>
+    <p:extLst>
+      <p:ext uri="{BB962C8B-B14F-4D97-AF65-F5344CB8AC3E}">
+        <p14:creationId xmlns:p14="http://schemas.microsoft.com/office/powerpoint/2010/main" val="145389672"/>
       </p:ext>
     </p:extLst>
   </p:cSld>

--- a/optimization-methods-for-artificial-intelligence/optimization-discrete.pptx
+++ b/optimization-methods-for-artificial-intelligence/optimization-discrete.pptx
@@ -8,7 +8,7 @@
     <p:sldId id="257" r:id="rId2"/>
     <p:sldId id="258" r:id="rId3"/>
     <p:sldId id="259" r:id="rId4"/>
-    <p:sldId id="272" r:id="rId5"/>
+    <p:sldId id="279" r:id="rId5"/>
     <p:sldId id="275" r:id="rId6"/>
     <p:sldId id="276" r:id="rId7"/>
     <p:sldId id="278" r:id="rId8"/>
@@ -2033,7 +2033,31 @@
           <a:bodyPr/>
           <a:lstStyle/>
           <a:p>
-            <a:endParaRPr lang="en-US"/>
+            <a:r>
+              <a:rPr lang="en-US" dirty="0"/>
+              <a:t>Internal representation of a candidate solution mixed integer</a:t>
+            </a:r>
+          </a:p>
+          <a:p>
+            <a:pPr lvl="1"/>
+            <a:r>
+              <a:rPr lang="en-US" dirty="0"/>
+              <a:t>Requires problem-specific mutations (int for int parameters, …)</a:t>
+            </a:r>
+          </a:p>
+          <a:p>
+            <a:pPr lvl="1"/>
+            <a:r>
+              <a:rPr lang="en-US" dirty="0"/>
+              <a:t>Might require problem-specific cross-overs</a:t>
+            </a:r>
+          </a:p>
+          <a:p>
+            <a:pPr lvl="1"/>
+            <a:r>
+              <a:rPr lang="en-US" dirty="0"/>
+              <a:t>But in general, it’s relatively straightforward</a:t>
+            </a:r>
           </a:p>
         </p:txBody>
       </p:sp>
@@ -2543,8 +2567,8 @@
           </a:p>
         </p:txBody>
       </p:sp>
-      <mc:AlternateContent xmlns:mc="http://schemas.openxmlformats.org/markup-compatibility/2006" xmlns:a14="http://schemas.microsoft.com/office/drawing/2010/main">
-        <mc:Choice Requires="a14">
+      <mc:AlternateContent xmlns:mc="http://schemas.openxmlformats.org/markup-compatibility/2006">
+        <mc:Choice xmlns:a14="http://schemas.microsoft.com/office/drawing/2010/main" Requires="a14">
           <p:sp>
             <p:nvSpPr>
               <p:cNvPr id="3" name="Espace réservé du texte 2">
@@ -2601,28 +2625,6 @@
                 <a:r>
                   <a:rPr lang="en-US" dirty="0"/>
                   <a:t>It is commonly assumed that variable values can be sorted</a:t>
-                </a:r>
-              </a:p>
-              <a:p>
-                <a:pPr lvl="1"/>
-                <a:r>
-                  <a:rPr lang="en-US" dirty="0"/>
-                  <a:t>Variable values could also be </a:t>
-                </a:r>
-                <a:r>
-                  <a:rPr lang="en-US" b="1" dirty="0"/>
-                  <a:t>categorical</a:t>
-                </a:r>
-                <a:r>
-                  <a:rPr lang="en-US" dirty="0"/>
-                  <a:t> (e.g. red, green, blue)</a:t>
-                </a:r>
-              </a:p>
-              <a:p>
-                <a:pPr lvl="1"/>
-                <a:r>
-                  <a:rPr lang="en-US" dirty="0"/>
-                  <a:t>Sometimes categorical are encoded as bitstrings with constraints</a:t>
                 </a:r>
               </a:p>
               <a:p>
@@ -2912,7 +2914,7 @@
             </p:txBody>
           </p:sp>
         </mc:Choice>
-        <mc:Fallback xmlns="">
+        <mc:Fallback>
           <p:sp>
             <p:nvSpPr>
               <p:cNvPr id="3" name="Espace réservé du texte 2">
@@ -2987,7 +2989,7 @@
           <p:cNvPr id="2" name="Titre 1">
             <a:extLst>
               <a:ext uri="{FF2B5EF4-FFF2-40B4-BE49-F238E27FC236}">
-                <a16:creationId xmlns:a16="http://schemas.microsoft.com/office/drawing/2014/main" id="{AE0006B2-3F02-4768-9429-F926445F7640}"/>
+                <a16:creationId xmlns:a16="http://schemas.microsoft.com/office/drawing/2014/main" id="{38E79106-0B5A-4104-8F27-532F8F33D131}"/>
               </a:ext>
             </a:extLst>
           </p:cNvPr>
@@ -3005,40 +3007,366 @@
           <a:p>
             <a:r>
               <a:rPr lang="en-US" dirty="0"/>
-              <a:t>Combinatorial optimization</a:t>
+              <a:t>Definition of discrete optimization</a:t>
             </a:r>
           </a:p>
         </p:txBody>
       </p:sp>
-      <p:sp>
-        <p:nvSpPr>
-          <p:cNvPr id="3" name="Espace réservé du texte 2">
-            <a:extLst>
-              <a:ext uri="{FF2B5EF4-FFF2-40B4-BE49-F238E27FC236}">
-                <a16:creationId xmlns:a16="http://schemas.microsoft.com/office/drawing/2014/main" id="{130C8E20-7C5F-40A6-B03C-00B9A0AE9DC4}"/>
-              </a:ext>
-            </a:extLst>
-          </p:cNvPr>
-          <p:cNvSpPr>
-            <a:spLocks noGrp="1"/>
-          </p:cNvSpPr>
-          <p:nvPr>
-            <p:ph type="body" sz="quarter" idx="10"/>
-          </p:nvPr>
-        </p:nvSpPr>
-        <p:spPr/>
-        <p:txBody>
-          <a:bodyPr/>
-          <a:lstStyle/>
-          <a:p>
-            <a:endParaRPr lang="en-US"/>
-          </a:p>
-        </p:txBody>
-      </p:sp>
+      <mc:AlternateContent xmlns:mc="http://schemas.openxmlformats.org/markup-compatibility/2006">
+        <mc:Choice xmlns:a14="http://schemas.microsoft.com/office/drawing/2010/main" Requires="a14">
+          <p:sp>
+            <p:nvSpPr>
+              <p:cNvPr id="3" name="Espace réservé du texte 2">
+                <a:extLst>
+                  <a:ext uri="{FF2B5EF4-FFF2-40B4-BE49-F238E27FC236}">
+                    <a16:creationId xmlns:a16="http://schemas.microsoft.com/office/drawing/2014/main" id="{025D74E4-A624-47B1-BCF0-C31EB2919A1B}"/>
+                  </a:ext>
+                </a:extLst>
+              </p:cNvPr>
+              <p:cNvSpPr>
+                <a:spLocks noGrp="1"/>
+              </p:cNvSpPr>
+              <p:nvPr>
+                <p:ph type="body" sz="quarter" idx="10"/>
+              </p:nvPr>
+            </p:nvSpPr>
+            <p:spPr/>
+            <p:txBody>
+              <a:bodyPr/>
+              <a:lstStyle/>
+              <a:p>
+                <a:r>
+                  <a:rPr lang="en-US" dirty="0"/>
+                  <a:t>Variable values could also be </a:t>
+                </a:r>
+                <a:r>
+                  <a:rPr lang="en-US" b="1" dirty="0"/>
+                  <a:t>categorical</a:t>
+                </a:r>
+              </a:p>
+              <a:p>
+                <a:pPr lvl="1"/>
+                <a:r>
+                  <a:rPr lang="en-US" dirty="0"/>
+                  <a:t>E.g. x={red, green, blue}; there is no default way of sorting</a:t>
+                </a:r>
+              </a:p>
+              <a:p>
+                <a:pPr lvl="1"/>
+                <a:r>
+                  <a:rPr lang="en-US" dirty="0"/>
+                  <a:t>Some algorithms can manage them natively</a:t>
+                </a:r>
+              </a:p>
+              <a:p>
+                <a:pPr lvl="1"/>
+                <a:r>
+                  <a:rPr lang="en-US" dirty="0"/>
+                  <a:t>Others encode them as </a:t>
+                </a:r>
+                <a:r>
+                  <a:rPr lang="en-US" b="1" dirty="0"/>
+                  <a:t>bitstrings</a:t>
+                </a:r>
+                <a:r>
+                  <a:rPr lang="en-US" dirty="0"/>
+                  <a:t> with constraints</a:t>
+                </a:r>
+              </a:p>
+              <a:p>
+                <a:pPr lvl="1"/>
+                <a:r>
+                  <a:rPr lang="en-US" dirty="0"/>
+                  <a:t>In ML sometimes called “one-hot encoding”</a:t>
+                </a:r>
+              </a:p>
+              <a:p>
+                <a:pPr lvl="1"/>
+                <a:endParaRPr lang="en-US" dirty="0"/>
+              </a:p>
+              <a:p>
+                <a:r>
+                  <a:rPr lang="en-US" dirty="0"/>
+                  <a:t>Example: </a:t>
+                </a:r>
+                <a14:m>
+                  <m:oMath xmlns:m="http://schemas.openxmlformats.org/officeDocument/2006/math">
+                    <m:r>
+                      <a:rPr lang="en-US" b="0" i="1" smtClean="0">
+                        <a:latin typeface="Cambria Math" panose="02040503050406030204" pitchFamily="18" charset="0"/>
+                      </a:rPr>
+                      <m:t>𝑥</m:t>
+                    </m:r>
+                    <m:r>
+                      <a:rPr lang="en-US" b="0" i="1" smtClean="0">
+                        <a:latin typeface="Cambria Math" panose="02040503050406030204" pitchFamily="18" charset="0"/>
+                        <a:ea typeface="Cambria Math" panose="02040503050406030204" pitchFamily="18" charset="0"/>
+                      </a:rPr>
+                      <m:t>→</m:t>
+                    </m:r>
+                    <m:sSub>
+                      <m:sSubPr>
+                        <m:ctrlPr>
+                          <a:rPr lang="en-US" b="0" i="1" smtClean="0">
+                            <a:latin typeface="Cambria Math" panose="02040503050406030204" pitchFamily="18" charset="0"/>
+                            <a:ea typeface="Cambria Math" panose="02040503050406030204" pitchFamily="18" charset="0"/>
+                          </a:rPr>
+                        </m:ctrlPr>
+                      </m:sSubPr>
+                      <m:e>
+                        <m:r>
+                          <a:rPr lang="en-US" b="0" i="1" smtClean="0">
+                            <a:latin typeface="Cambria Math" panose="02040503050406030204" pitchFamily="18" charset="0"/>
+                            <a:ea typeface="Cambria Math" panose="02040503050406030204" pitchFamily="18" charset="0"/>
+                          </a:rPr>
+                          <m:t>𝑥</m:t>
+                        </m:r>
+                      </m:e>
+                      <m:sub>
+                        <m:r>
+                          <a:rPr lang="en-US" b="0" i="1" smtClean="0">
+                            <a:latin typeface="Cambria Math" panose="02040503050406030204" pitchFamily="18" charset="0"/>
+                            <a:ea typeface="Cambria Math" panose="02040503050406030204" pitchFamily="18" charset="0"/>
+                          </a:rPr>
+                          <m:t>𝑟</m:t>
+                        </m:r>
+                      </m:sub>
+                    </m:sSub>
+                    <m:r>
+                      <a:rPr lang="en-US" b="0" i="1" smtClean="0">
+                        <a:latin typeface="Cambria Math" panose="02040503050406030204" pitchFamily="18" charset="0"/>
+                        <a:ea typeface="Cambria Math" panose="02040503050406030204" pitchFamily="18" charset="0"/>
+                      </a:rPr>
+                      <m:t>, </m:t>
+                    </m:r>
+                    <m:sSub>
+                      <m:sSubPr>
+                        <m:ctrlPr>
+                          <a:rPr lang="en-US" b="0" i="1" smtClean="0">
+                            <a:latin typeface="Cambria Math" panose="02040503050406030204" pitchFamily="18" charset="0"/>
+                            <a:ea typeface="Cambria Math" panose="02040503050406030204" pitchFamily="18" charset="0"/>
+                          </a:rPr>
+                        </m:ctrlPr>
+                      </m:sSubPr>
+                      <m:e>
+                        <m:r>
+                          <a:rPr lang="en-US" b="0" i="1" smtClean="0">
+                            <a:latin typeface="Cambria Math" panose="02040503050406030204" pitchFamily="18" charset="0"/>
+                            <a:ea typeface="Cambria Math" panose="02040503050406030204" pitchFamily="18" charset="0"/>
+                          </a:rPr>
+                          <m:t>𝑥</m:t>
+                        </m:r>
+                      </m:e>
+                      <m:sub>
+                        <m:r>
+                          <a:rPr lang="en-US" b="0" i="1" smtClean="0">
+                            <a:latin typeface="Cambria Math" panose="02040503050406030204" pitchFamily="18" charset="0"/>
+                            <a:ea typeface="Cambria Math" panose="02040503050406030204" pitchFamily="18" charset="0"/>
+                          </a:rPr>
+                          <m:t>𝑔</m:t>
+                        </m:r>
+                      </m:sub>
+                    </m:sSub>
+                    <m:r>
+                      <a:rPr lang="en-US" b="0" i="1" smtClean="0">
+                        <a:latin typeface="Cambria Math" panose="02040503050406030204" pitchFamily="18" charset="0"/>
+                        <a:ea typeface="Cambria Math" panose="02040503050406030204" pitchFamily="18" charset="0"/>
+                      </a:rPr>
+                      <m:t>, </m:t>
+                    </m:r>
+                    <m:sSub>
+                      <m:sSubPr>
+                        <m:ctrlPr>
+                          <a:rPr lang="en-US" b="0" i="1" smtClean="0">
+                            <a:latin typeface="Cambria Math" panose="02040503050406030204" pitchFamily="18" charset="0"/>
+                            <a:ea typeface="Cambria Math" panose="02040503050406030204" pitchFamily="18" charset="0"/>
+                          </a:rPr>
+                        </m:ctrlPr>
+                      </m:sSubPr>
+                      <m:e>
+                        <m:r>
+                          <a:rPr lang="en-US" b="0" i="1" smtClean="0">
+                            <a:latin typeface="Cambria Math" panose="02040503050406030204" pitchFamily="18" charset="0"/>
+                            <a:ea typeface="Cambria Math" panose="02040503050406030204" pitchFamily="18" charset="0"/>
+                          </a:rPr>
+                          <m:t>𝑥</m:t>
+                        </m:r>
+                      </m:e>
+                      <m:sub>
+                        <m:r>
+                          <a:rPr lang="en-US" b="0" i="1" smtClean="0">
+                            <a:latin typeface="Cambria Math" panose="02040503050406030204" pitchFamily="18" charset="0"/>
+                            <a:ea typeface="Cambria Math" panose="02040503050406030204" pitchFamily="18" charset="0"/>
+                          </a:rPr>
+                          <m:t>𝑏</m:t>
+                        </m:r>
+                      </m:sub>
+                    </m:sSub>
+                    <m:r>
+                      <a:rPr lang="en-US" b="0" i="1" smtClean="0">
+                        <a:latin typeface="Cambria Math" panose="02040503050406030204" pitchFamily="18" charset="0"/>
+                        <a:ea typeface="Cambria Math" panose="02040503050406030204" pitchFamily="18" charset="0"/>
+                      </a:rPr>
+                      <m:t>∈{0,1}</m:t>
+                    </m:r>
+                  </m:oMath>
+                </a14:m>
+                <a:r>
+                  <a:rPr lang="en-US" dirty="0"/>
+                  <a:t>; </a:t>
+                </a:r>
+                <a14:m>
+                  <m:oMath xmlns:m="http://schemas.openxmlformats.org/officeDocument/2006/math">
+                    <m:sSub>
+                      <m:sSubPr>
+                        <m:ctrlPr>
+                          <a:rPr lang="en-US" b="0" i="1" dirty="0" smtClean="0">
+                            <a:latin typeface="Cambria Math" panose="02040503050406030204" pitchFamily="18" charset="0"/>
+                          </a:rPr>
+                        </m:ctrlPr>
+                      </m:sSubPr>
+                      <m:e>
+                        <m:r>
+                          <a:rPr lang="en-US" b="0" i="1" dirty="0" smtClean="0">
+                            <a:latin typeface="Cambria Math" panose="02040503050406030204" pitchFamily="18" charset="0"/>
+                          </a:rPr>
+                          <m:t>𝑥</m:t>
+                        </m:r>
+                      </m:e>
+                      <m:sub>
+                        <m:r>
+                          <a:rPr lang="en-US" b="0" i="1" dirty="0" smtClean="0">
+                            <a:latin typeface="Cambria Math" panose="02040503050406030204" pitchFamily="18" charset="0"/>
+                          </a:rPr>
+                          <m:t>𝑟</m:t>
+                        </m:r>
+                      </m:sub>
+                    </m:sSub>
+                    <m:r>
+                      <a:rPr lang="en-US" b="0" i="1" dirty="0" smtClean="0">
+                        <a:latin typeface="Cambria Math" panose="02040503050406030204" pitchFamily="18" charset="0"/>
+                      </a:rPr>
+                      <m:t>+</m:t>
+                    </m:r>
+                    <m:sSub>
+                      <m:sSubPr>
+                        <m:ctrlPr>
+                          <a:rPr lang="en-US" b="0" i="1" dirty="0" smtClean="0">
+                            <a:latin typeface="Cambria Math" panose="02040503050406030204" pitchFamily="18" charset="0"/>
+                          </a:rPr>
+                        </m:ctrlPr>
+                      </m:sSubPr>
+                      <m:e>
+                        <m:r>
+                          <a:rPr lang="en-US" b="0" i="1" dirty="0" smtClean="0">
+                            <a:latin typeface="Cambria Math" panose="02040503050406030204" pitchFamily="18" charset="0"/>
+                          </a:rPr>
+                          <m:t>𝑥</m:t>
+                        </m:r>
+                      </m:e>
+                      <m:sub>
+                        <m:r>
+                          <a:rPr lang="en-US" b="0" i="1" dirty="0" smtClean="0">
+                            <a:latin typeface="Cambria Math" panose="02040503050406030204" pitchFamily="18" charset="0"/>
+                          </a:rPr>
+                          <m:t>𝑔</m:t>
+                        </m:r>
+                      </m:sub>
+                    </m:sSub>
+                    <m:r>
+                      <a:rPr lang="en-US" b="0" i="1" dirty="0" smtClean="0">
+                        <a:latin typeface="Cambria Math" panose="02040503050406030204" pitchFamily="18" charset="0"/>
+                      </a:rPr>
+                      <m:t>+</m:t>
+                    </m:r>
+                    <m:sSub>
+                      <m:sSubPr>
+                        <m:ctrlPr>
+                          <a:rPr lang="en-US" b="0" i="1" dirty="0" smtClean="0">
+                            <a:latin typeface="Cambria Math" panose="02040503050406030204" pitchFamily="18" charset="0"/>
+                          </a:rPr>
+                        </m:ctrlPr>
+                      </m:sSubPr>
+                      <m:e>
+                        <m:r>
+                          <a:rPr lang="en-US" b="0" i="1" dirty="0" smtClean="0">
+                            <a:latin typeface="Cambria Math" panose="02040503050406030204" pitchFamily="18" charset="0"/>
+                          </a:rPr>
+                          <m:t>𝑥</m:t>
+                        </m:r>
+                      </m:e>
+                      <m:sub>
+                        <m:r>
+                          <a:rPr lang="en-US" b="0" i="1" dirty="0" smtClean="0">
+                            <a:latin typeface="Cambria Math" panose="02040503050406030204" pitchFamily="18" charset="0"/>
+                          </a:rPr>
+                          <m:t>𝑏</m:t>
+                        </m:r>
+                      </m:sub>
+                    </m:sSub>
+                    <m:r>
+                      <a:rPr lang="en-US" b="0" i="1" dirty="0" smtClean="0">
+                        <a:latin typeface="Cambria Math" panose="02040503050406030204" pitchFamily="18" charset="0"/>
+                      </a:rPr>
+                      <m:t>=1</m:t>
+                    </m:r>
+                  </m:oMath>
+                </a14:m>
+                <a:endParaRPr lang="en-US" dirty="0"/>
+              </a:p>
+              <a:p>
+                <a:pPr marL="0" indent="0">
+                  <a:buNone/>
+                </a:pPr>
+                <a:endParaRPr lang="en-US" dirty="0"/>
+              </a:p>
+            </p:txBody>
+          </p:sp>
+        </mc:Choice>
+        <mc:Fallback>
+          <p:sp>
+            <p:nvSpPr>
+              <p:cNvPr id="3" name="Espace réservé du texte 2">
+                <a:extLst>
+                  <a:ext uri="{FF2B5EF4-FFF2-40B4-BE49-F238E27FC236}">
+                    <a16:creationId xmlns:a16="http://schemas.microsoft.com/office/drawing/2014/main" id="{025D74E4-A624-47B1-BCF0-C31EB2919A1B}"/>
+                  </a:ext>
+                </a:extLst>
+              </p:cNvPr>
+              <p:cNvSpPr>
+                <a:spLocks noGrp="1" noRot="1" noChangeAspect="1" noMove="1" noResize="1" noEditPoints="1" noAdjustHandles="1" noChangeArrowheads="1" noChangeShapeType="1" noTextEdit="1"/>
+              </p:cNvSpPr>
+              <p:nvPr>
+                <p:ph type="body" sz="quarter" idx="10"/>
+              </p:nvPr>
+            </p:nvSpPr>
+            <p:spPr>
+              <a:blipFill>
+                <a:blip r:embed="rId2"/>
+                <a:stretch>
+                  <a:fillRect l="-1333" t="-2734"/>
+                </a:stretch>
+              </a:blipFill>
+            </p:spPr>
+            <p:txBody>
+              <a:bodyPr/>
+              <a:lstStyle/>
+              <a:p>
+                <a:r>
+                  <a:rPr lang="en-US">
+                    <a:noFill/>
+                  </a:rPr>
+                  <a:t> </a:t>
+                </a:r>
+              </a:p>
+            </p:txBody>
+          </p:sp>
+        </mc:Fallback>
+      </mc:AlternateContent>
     </p:spTree>
     <p:extLst>
       <p:ext uri="{BB962C8B-B14F-4D97-AF65-F5344CB8AC3E}">
-        <p14:creationId xmlns:p14="http://schemas.microsoft.com/office/powerpoint/2010/main" val="25303655"/>
+        <p14:creationId xmlns:p14="http://schemas.microsoft.com/office/powerpoint/2010/main" val="2866452148"/>
       </p:ext>
     </p:extLst>
   </p:cSld>
@@ -3663,7 +3991,7 @@
           <a:p>
             <a:r>
               <a:rPr lang="en-US" dirty="0"/>
-              <a:t>The best algorithm is </a:t>
+              <a:t>The best algorithm is (arguably) </a:t>
             </a:r>
             <a:r>
               <a:rPr lang="en-US" i="1" dirty="0"/>
@@ -3866,7 +4194,22 @@
           <a:bodyPr/>
           <a:lstStyle/>
           <a:p>
-            <a:endParaRPr lang="en-US"/>
+            <a:r>
+              <a:rPr lang="en-US" dirty="0"/>
+              <a:t>MILP: Starts from classical linear programming</a:t>
+            </a:r>
+          </a:p>
+          <a:p>
+            <a:r>
+              <a:rPr lang="en-US" dirty="0"/>
+              <a:t>Add constraints that force variables to assume integer values</a:t>
+            </a:r>
+          </a:p>
+          <a:p>
+            <a:r>
+              <a:rPr lang="en-US" dirty="0"/>
+              <a:t>Most solvers allow integer variables by default</a:t>
+            </a:r>
           </a:p>
         </p:txBody>
       </p:sp>

--- a/optimization-methods-for-artificial-intelligence/optimization-discrete.pptx
+++ b/optimization-methods-for-artificial-intelligence/optimization-discrete.pptx
@@ -9,14 +9,14 @@
     <p:sldId id="258" r:id="rId3"/>
     <p:sldId id="259" r:id="rId4"/>
     <p:sldId id="279" r:id="rId5"/>
-    <p:sldId id="275" r:id="rId6"/>
-    <p:sldId id="276" r:id="rId7"/>
-    <p:sldId id="278" r:id="rId8"/>
-    <p:sldId id="277" r:id="rId9"/>
-    <p:sldId id="273" r:id="rId10"/>
-    <p:sldId id="274" r:id="rId11"/>
-    <p:sldId id="270" r:id="rId12"/>
-    <p:sldId id="271" r:id="rId13"/>
+    <p:sldId id="280" r:id="rId6"/>
+    <p:sldId id="275" r:id="rId7"/>
+    <p:sldId id="276" r:id="rId8"/>
+    <p:sldId id="278" r:id="rId9"/>
+    <p:sldId id="277" r:id="rId10"/>
+    <p:sldId id="273" r:id="rId11"/>
+    <p:sldId id="274" r:id="rId12"/>
+    <p:sldId id="270" r:id="rId13"/>
     <p:sldId id="269" r:id="rId14"/>
   </p:sldIdLst>
   <p:sldSz cx="12192000" cy="6858000"/>
@@ -1906,7 +1906,7 @@
           <p:cNvPr id="2" name="Titre 1">
             <a:extLst>
               <a:ext uri="{FF2B5EF4-FFF2-40B4-BE49-F238E27FC236}">
-                <a16:creationId xmlns:a16="http://schemas.microsoft.com/office/drawing/2014/main" id="{0C32BA94-9D2C-4CD5-AE56-D5F30435D754}"/>
+                <a16:creationId xmlns:a16="http://schemas.microsoft.com/office/drawing/2014/main" id="{62148896-1C2E-41D1-933E-A86A941A3FDE}"/>
               </a:ext>
             </a:extLst>
           </p:cNvPr>
@@ -1924,7 +1924,7 @@
           <a:p>
             <a:r>
               <a:rPr lang="en-US" dirty="0"/>
-              <a:t>Boolean satisfiability (SAT solvers)</a:t>
+              <a:t>Mixed-integer linear programming</a:t>
             </a:r>
           </a:p>
         </p:txBody>
@@ -1934,7 +1934,7 @@
           <p:cNvPr id="3" name="Espace réservé du texte 2">
             <a:extLst>
               <a:ext uri="{FF2B5EF4-FFF2-40B4-BE49-F238E27FC236}">
-                <a16:creationId xmlns:a16="http://schemas.microsoft.com/office/drawing/2014/main" id="{10B7D6D5-C846-4BAE-A748-103AC1D0F874}"/>
+                <a16:creationId xmlns:a16="http://schemas.microsoft.com/office/drawing/2014/main" id="{2937A5F0-C5EC-4D05-ADF3-380D6875D4CD}"/>
               </a:ext>
             </a:extLst>
           </p:cNvPr>
@@ -1950,14 +1950,68 @@
           <a:bodyPr/>
           <a:lstStyle/>
           <a:p>
-            <a:endParaRPr lang="en-US"/>
+            <a:r>
+              <a:rPr lang="en-US" dirty="0"/>
+              <a:t>MILP: Starts from classical linear programming</a:t>
+            </a:r>
+          </a:p>
+          <a:p>
+            <a:pPr lvl="1"/>
+            <a:r>
+              <a:rPr lang="en-US" dirty="0"/>
+              <a:t>If the result of the optimization does not have all integer values…</a:t>
+            </a:r>
+          </a:p>
+          <a:p>
+            <a:pPr lvl="1"/>
+            <a:r>
+              <a:rPr lang="en-US" dirty="0"/>
+              <a:t>Add constraints that force variables to assume integer values</a:t>
+            </a:r>
+          </a:p>
+          <a:p>
+            <a:pPr lvl="1"/>
+            <a:r>
+              <a:rPr lang="en-US" dirty="0"/>
+              <a:t>Most solvers allow adding integer variables by default</a:t>
+            </a:r>
           </a:p>
         </p:txBody>
       </p:sp>
+      <p:pic>
+        <p:nvPicPr>
+          <p:cNvPr id="5" name="Image 4">
+            <a:extLst>
+              <a:ext uri="{FF2B5EF4-FFF2-40B4-BE49-F238E27FC236}">
+                <a16:creationId xmlns:a16="http://schemas.microsoft.com/office/drawing/2014/main" id="{8716282D-0E3A-4211-A923-A25A9EFFCA5B}"/>
+              </a:ext>
+            </a:extLst>
+          </p:cNvPr>
+          <p:cNvPicPr>
+            <a:picLocks noChangeAspect="1"/>
+          </p:cNvPicPr>
+          <p:nvPr/>
+        </p:nvPicPr>
+        <p:blipFill>
+          <a:blip r:embed="rId2"/>
+          <a:stretch>
+            <a:fillRect/>
+          </a:stretch>
+        </p:blipFill>
+        <p:spPr>
+          <a:xfrm>
+            <a:off x="2036077" y="3429000"/>
+            <a:ext cx="8119846" cy="2794492"/>
+          </a:xfrm>
+          <a:prstGeom prst="rect">
+            <a:avLst/>
+          </a:prstGeom>
+        </p:spPr>
+      </p:pic>
     </p:spTree>
     <p:extLst>
       <p:ext uri="{BB962C8B-B14F-4D97-AF65-F5344CB8AC3E}">
-        <p14:creationId xmlns:p14="http://schemas.microsoft.com/office/powerpoint/2010/main" val="2095228573"/>
+        <p14:creationId xmlns:p14="http://schemas.microsoft.com/office/powerpoint/2010/main" val="145389672"/>
       </p:ext>
     </p:extLst>
   </p:cSld>
@@ -1989,7 +2043,7 @@
           <p:cNvPr id="2" name="Titre 1">
             <a:extLst>
               <a:ext uri="{FF2B5EF4-FFF2-40B4-BE49-F238E27FC236}">
-                <a16:creationId xmlns:a16="http://schemas.microsoft.com/office/drawing/2014/main" id="{E9343A17-4F1E-4A09-A652-19759750D761}"/>
+                <a16:creationId xmlns:a16="http://schemas.microsoft.com/office/drawing/2014/main" id="{0C32BA94-9D2C-4CD5-AE56-D5F30435D754}"/>
               </a:ext>
             </a:extLst>
           </p:cNvPr>
@@ -2007,7 +2061,7 @@
           <a:p>
             <a:r>
               <a:rPr lang="en-US" dirty="0"/>
-              <a:t>Evolutionary algorithms (again)</a:t>
+              <a:t>Boolean satisfiability (SAT solvers)</a:t>
             </a:r>
           </a:p>
         </p:txBody>
@@ -2017,7 +2071,7 @@
           <p:cNvPr id="3" name="Espace réservé du texte 2">
             <a:extLst>
               <a:ext uri="{FF2B5EF4-FFF2-40B4-BE49-F238E27FC236}">
-                <a16:creationId xmlns:a16="http://schemas.microsoft.com/office/drawing/2014/main" id="{5CCE075C-893A-4031-8E37-F4AA0FE3D692}"/>
+                <a16:creationId xmlns:a16="http://schemas.microsoft.com/office/drawing/2014/main" id="{10B7D6D5-C846-4BAE-A748-103AC1D0F874}"/>
               </a:ext>
             </a:extLst>
           </p:cNvPr>
@@ -2035,36 +2089,77 @@
           <a:p>
             <a:r>
               <a:rPr lang="en-US" dirty="0"/>
-              <a:t>Internal representation of a candidate solution mixed integer</a:t>
-            </a:r>
-          </a:p>
-          <a:p>
-            <a:pPr lvl="1"/>
-            <a:r>
-              <a:rPr lang="en-US" dirty="0"/>
-              <a:t>Requires problem-specific mutations (int for int parameters, …)</a:t>
-            </a:r>
-          </a:p>
-          <a:p>
-            <a:pPr lvl="1"/>
-            <a:r>
-              <a:rPr lang="en-US" dirty="0"/>
-              <a:t>Might require problem-specific cross-overs</a:t>
-            </a:r>
-          </a:p>
-          <a:p>
-            <a:pPr lvl="1"/>
-            <a:r>
-              <a:rPr lang="en-US" dirty="0"/>
-              <a:t>But in general, it’s relatively straightforward</a:t>
+              <a:t>Boolean expression (binary variables)</a:t>
+            </a:r>
+          </a:p>
+          <a:p>
+            <a:r>
+              <a:rPr lang="en-US" dirty="0"/>
+              <a:t>Existence of a candidate solution that outputs </a:t>
+            </a:r>
+            <a:r>
+              <a:rPr lang="en-US" i="1" dirty="0"/>
+              <a:t>true</a:t>
+            </a:r>
+            <a:r>
+              <a:rPr lang="en-US" dirty="0"/>
+              <a:t>?</a:t>
+            </a:r>
+          </a:p>
+          <a:p>
+            <a:endParaRPr lang="en-US" dirty="0"/>
+          </a:p>
+          <a:p>
+            <a:endParaRPr lang="en-US" dirty="0"/>
+          </a:p>
+          <a:p>
+            <a:r>
+              <a:rPr lang="en-US" dirty="0"/>
+              <a:t>Complex problem</a:t>
+            </a:r>
+          </a:p>
+          <a:p>
+            <a:r>
+              <a:rPr lang="en-US" dirty="0"/>
+              <a:t>Specialized techniques called SAT solvers</a:t>
             </a:r>
           </a:p>
         </p:txBody>
       </p:sp>
+      <p:pic>
+        <p:nvPicPr>
+          <p:cNvPr id="5" name="Image 4">
+            <a:extLst>
+              <a:ext uri="{FF2B5EF4-FFF2-40B4-BE49-F238E27FC236}">
+                <a16:creationId xmlns:a16="http://schemas.microsoft.com/office/drawing/2014/main" id="{E97CE80F-DF07-4AFC-9E02-E61145E4420A}"/>
+              </a:ext>
+            </a:extLst>
+          </p:cNvPr>
+          <p:cNvPicPr>
+            <a:picLocks noChangeAspect="1"/>
+          </p:cNvPicPr>
+          <p:nvPr/>
+        </p:nvPicPr>
+        <p:blipFill>
+          <a:blip r:embed="rId2"/>
+          <a:stretch>
+            <a:fillRect/>
+          </a:stretch>
+        </p:blipFill>
+        <p:spPr>
+          <a:xfrm>
+            <a:off x="3164478" y="2714525"/>
+            <a:ext cx="5372850" cy="714475"/>
+          </a:xfrm>
+          <a:prstGeom prst="rect">
+            <a:avLst/>
+          </a:prstGeom>
+        </p:spPr>
+      </p:pic>
     </p:spTree>
     <p:extLst>
       <p:ext uri="{BB962C8B-B14F-4D97-AF65-F5344CB8AC3E}">
-        <p14:creationId xmlns:p14="http://schemas.microsoft.com/office/powerpoint/2010/main" val="3214944582"/>
+        <p14:creationId xmlns:p14="http://schemas.microsoft.com/office/powerpoint/2010/main" val="2095228573"/>
       </p:ext>
     </p:extLst>
   </p:cSld>
@@ -2096,7 +2191,7 @@
           <p:cNvPr id="2" name="Titre 1">
             <a:extLst>
               <a:ext uri="{FF2B5EF4-FFF2-40B4-BE49-F238E27FC236}">
-                <a16:creationId xmlns:a16="http://schemas.microsoft.com/office/drawing/2014/main" id="{A35804AD-8A64-471F-B00C-4F440CA6AF52}"/>
+                <a16:creationId xmlns:a16="http://schemas.microsoft.com/office/drawing/2014/main" id="{E9343A17-4F1E-4A09-A652-19759750D761}"/>
               </a:ext>
             </a:extLst>
           </p:cNvPr>
@@ -2114,7 +2209,7 @@
           <a:p>
             <a:r>
               <a:rPr lang="en-US" dirty="0"/>
-              <a:t>Covariance Matrix Adaptation (again)</a:t>
+              <a:t>Evolutionary algorithms (again)</a:t>
             </a:r>
           </a:p>
         </p:txBody>
@@ -2124,7 +2219,7 @@
           <p:cNvPr id="3" name="Espace réservé du texte 2">
             <a:extLst>
               <a:ext uri="{FF2B5EF4-FFF2-40B4-BE49-F238E27FC236}">
-                <a16:creationId xmlns:a16="http://schemas.microsoft.com/office/drawing/2014/main" id="{4B53BB99-9F93-46F6-A7A5-1DAA79FCFD13}"/>
+                <a16:creationId xmlns:a16="http://schemas.microsoft.com/office/drawing/2014/main" id="{5CCE075C-893A-4031-8E37-F4AA0FE3D692}"/>
               </a:ext>
             </a:extLst>
           </p:cNvPr>
@@ -2142,13 +2237,785 @@
           <a:p>
             <a:r>
               <a:rPr lang="en-US" dirty="0"/>
-              <a:t>Classic CMA-ES with continuous variables</a:t>
-            </a:r>
-          </a:p>
-          <a:p>
-            <a:r>
-              <a:rPr lang="en-US" dirty="0"/>
-              <a:t>Round up the discrete variables to the closest integer</a:t>
+              <a:t>Internal representation of a candidate solution mixed integer</a:t>
+            </a:r>
+          </a:p>
+          <a:p>
+            <a:pPr lvl="1"/>
+            <a:r>
+              <a:rPr lang="en-US" dirty="0"/>
+              <a:t>Requires problem-specific variators (int for int parameters, …)</a:t>
+            </a:r>
+          </a:p>
+          <a:p>
+            <a:pPr lvl="1"/>
+            <a:r>
+              <a:rPr lang="en-US" dirty="0"/>
+              <a:t>But in general, it’s relatively straightforward</a:t>
+            </a:r>
+          </a:p>
+          <a:p>
+            <a:pPr lvl="1"/>
+            <a:r>
+              <a:rPr lang="en-US" dirty="0"/>
+              <a:t>No guarantee to find the global optimum</a:t>
+            </a:r>
+          </a:p>
+        </p:txBody>
+      </p:sp>
+      <p:grpSp>
+        <p:nvGrpSpPr>
+          <p:cNvPr id="4" name="Groupe 3">
+            <a:extLst>
+              <a:ext uri="{FF2B5EF4-FFF2-40B4-BE49-F238E27FC236}">
+                <a16:creationId xmlns:a16="http://schemas.microsoft.com/office/drawing/2014/main" id="{1B17C062-F434-4018-AF9F-B5EE58BEF6F9}"/>
+              </a:ext>
+            </a:extLst>
+          </p:cNvPr>
+          <p:cNvGrpSpPr/>
+          <p:nvPr/>
+        </p:nvGrpSpPr>
+        <p:grpSpPr>
+          <a:xfrm>
+            <a:off x="1733684" y="3532695"/>
+            <a:ext cx="8724632" cy="2229721"/>
+            <a:chOff x="179512" y="479198"/>
+            <a:chExt cx="8724632" cy="2229721"/>
+          </a:xfrm>
+        </p:grpSpPr>
+        <p:sp>
+          <p:nvSpPr>
+            <p:cNvPr id="5" name="Flowchart: Process 4">
+              <a:extLst>
+                <a:ext uri="{FF2B5EF4-FFF2-40B4-BE49-F238E27FC236}">
+                  <a16:creationId xmlns:a16="http://schemas.microsoft.com/office/drawing/2014/main" id="{43E8566B-4EE9-4998-AFCE-9603B774B33D}"/>
+                </a:ext>
+              </a:extLst>
+            </p:cNvPr>
+            <p:cNvSpPr/>
+            <p:nvPr/>
+          </p:nvSpPr>
+          <p:spPr>
+            <a:xfrm>
+              <a:off x="179512" y="1726532"/>
+              <a:ext cx="1512000" cy="792088"/>
+            </a:xfrm>
+            <a:prstGeom prst="flowChartProcess">
+              <a:avLst/>
+            </a:prstGeom>
+          </p:spPr>
+          <p:style>
+            <a:lnRef idx="2">
+              <a:schemeClr val="dk1"/>
+            </a:lnRef>
+            <a:fillRef idx="1">
+              <a:schemeClr val="lt1"/>
+            </a:fillRef>
+            <a:effectRef idx="0">
+              <a:schemeClr val="dk1"/>
+            </a:effectRef>
+            <a:fontRef idx="minor">
+              <a:schemeClr val="dk1"/>
+            </a:fontRef>
+          </p:style>
+          <p:txBody>
+            <a:bodyPr rtlCol="0" anchor="ctr"/>
+            <a:lstStyle/>
+            <a:p>
+              <a:pPr algn="ctr"/>
+              <a:r>
+                <a:rPr lang="en-US" sz="1400" dirty="0"/>
+                <a:t>Generate and evaluate </a:t>
+              </a:r>
+            </a:p>
+            <a:p>
+              <a:pPr algn="ctr"/>
+              <a:r>
+                <a:rPr lang="en-US" sz="1400" dirty="0"/>
+                <a:t>initial population</a:t>
+              </a:r>
+            </a:p>
+          </p:txBody>
+        </p:sp>
+        <p:sp>
+          <p:nvSpPr>
+            <p:cNvPr id="6" name="Flowchart: Process 5">
+              <a:extLst>
+                <a:ext uri="{FF2B5EF4-FFF2-40B4-BE49-F238E27FC236}">
+                  <a16:creationId xmlns:a16="http://schemas.microsoft.com/office/drawing/2014/main" id="{CB10EDA2-A93F-471B-B021-A47653B35034}"/>
+                </a:ext>
+              </a:extLst>
+            </p:cNvPr>
+            <p:cNvSpPr/>
+            <p:nvPr/>
+          </p:nvSpPr>
+          <p:spPr>
+            <a:xfrm>
+              <a:off x="5663952" y="1726532"/>
+              <a:ext cx="1512000" cy="792088"/>
+            </a:xfrm>
+            <a:prstGeom prst="flowChartProcess">
+              <a:avLst/>
+            </a:prstGeom>
+          </p:spPr>
+          <p:style>
+            <a:lnRef idx="2">
+              <a:schemeClr val="dk1"/>
+            </a:lnRef>
+            <a:fillRef idx="1">
+              <a:schemeClr val="lt1"/>
+            </a:fillRef>
+            <a:effectRef idx="0">
+              <a:schemeClr val="dk1"/>
+            </a:effectRef>
+            <a:fontRef idx="minor">
+              <a:schemeClr val="dk1"/>
+            </a:fontRef>
+          </p:style>
+          <p:txBody>
+            <a:bodyPr rtlCol="0" anchor="ctr"/>
+            <a:lstStyle/>
+            <a:p>
+              <a:pPr algn="ctr"/>
+              <a:r>
+                <a:rPr lang="en-US" sz="1400" dirty="0"/>
+                <a:t>Evaluate new solutions</a:t>
+              </a:r>
+            </a:p>
+          </p:txBody>
+        </p:sp>
+        <p:sp>
+          <p:nvSpPr>
+            <p:cNvPr id="7" name="Flowchart: Decision 7">
+              <a:extLst>
+                <a:ext uri="{FF2B5EF4-FFF2-40B4-BE49-F238E27FC236}">
+                  <a16:creationId xmlns:a16="http://schemas.microsoft.com/office/drawing/2014/main" id="{B489FD7B-CD8A-4950-8A51-BB4A59C15A1A}"/>
+                </a:ext>
+              </a:extLst>
+            </p:cNvPr>
+            <p:cNvSpPr/>
+            <p:nvPr/>
+          </p:nvSpPr>
+          <p:spPr>
+            <a:xfrm>
+              <a:off x="1919536" y="1536232"/>
+              <a:ext cx="1800200" cy="1172687"/>
+            </a:xfrm>
+            <a:prstGeom prst="flowChartDecision">
+              <a:avLst/>
+            </a:prstGeom>
+          </p:spPr>
+          <p:style>
+            <a:lnRef idx="2">
+              <a:schemeClr val="dk1"/>
+            </a:lnRef>
+            <a:fillRef idx="1">
+              <a:schemeClr val="lt1"/>
+            </a:fillRef>
+            <a:effectRef idx="0">
+              <a:schemeClr val="dk1"/>
+            </a:effectRef>
+            <a:fontRef idx="minor">
+              <a:schemeClr val="dk1"/>
+            </a:fontRef>
+          </p:style>
+          <p:txBody>
+            <a:bodyPr rtlCol="0" anchor="ctr"/>
+            <a:lstStyle/>
+            <a:p>
+              <a:pPr algn="ctr"/>
+              <a:r>
+                <a:rPr lang="en-US" sz="1400" dirty="0"/>
+                <a:t>Stop condition reached?</a:t>
+              </a:r>
+            </a:p>
+          </p:txBody>
+        </p:sp>
+        <p:sp>
+          <p:nvSpPr>
+            <p:cNvPr id="8" name="Flowchart: Process 9">
+              <a:extLst>
+                <a:ext uri="{FF2B5EF4-FFF2-40B4-BE49-F238E27FC236}">
+                  <a16:creationId xmlns:a16="http://schemas.microsoft.com/office/drawing/2014/main" id="{F5481FFF-725F-415D-BE86-9902C5118B15}"/>
+                </a:ext>
+              </a:extLst>
+            </p:cNvPr>
+            <p:cNvSpPr/>
+            <p:nvPr/>
+          </p:nvSpPr>
+          <p:spPr>
+            <a:xfrm>
+              <a:off x="3935760" y="1726532"/>
+              <a:ext cx="1512168" cy="792088"/>
+            </a:xfrm>
+            <a:prstGeom prst="flowChartProcess">
+              <a:avLst/>
+            </a:prstGeom>
+          </p:spPr>
+          <p:style>
+            <a:lnRef idx="2">
+              <a:schemeClr val="dk1"/>
+            </a:lnRef>
+            <a:fillRef idx="1">
+              <a:schemeClr val="lt1"/>
+            </a:fillRef>
+            <a:effectRef idx="0">
+              <a:schemeClr val="dk1"/>
+            </a:effectRef>
+            <a:fontRef idx="minor">
+              <a:schemeClr val="dk1"/>
+            </a:fontRef>
+          </p:style>
+          <p:txBody>
+            <a:bodyPr rtlCol="0" anchor="ctr"/>
+            <a:lstStyle/>
+            <a:p>
+              <a:pPr algn="ctr"/>
+              <a:r>
+                <a:rPr lang="en-US" sz="1400" dirty="0"/>
+                <a:t>Select parents and create offspring</a:t>
+              </a:r>
+            </a:p>
+          </p:txBody>
+        </p:sp>
+        <p:sp>
+          <p:nvSpPr>
+            <p:cNvPr id="9" name="Flowchart: Process 10">
+              <a:extLst>
+                <a:ext uri="{FF2B5EF4-FFF2-40B4-BE49-F238E27FC236}">
+                  <a16:creationId xmlns:a16="http://schemas.microsoft.com/office/drawing/2014/main" id="{7B12E79D-C5C2-4A1F-9ED3-E23D90E779DC}"/>
+                </a:ext>
+              </a:extLst>
+            </p:cNvPr>
+            <p:cNvSpPr/>
+            <p:nvPr/>
+          </p:nvSpPr>
+          <p:spPr>
+            <a:xfrm>
+              <a:off x="7392144" y="1726532"/>
+              <a:ext cx="1512000" cy="792088"/>
+            </a:xfrm>
+            <a:prstGeom prst="flowChartProcess">
+              <a:avLst/>
+            </a:prstGeom>
+          </p:spPr>
+          <p:style>
+            <a:lnRef idx="2">
+              <a:schemeClr val="dk1"/>
+            </a:lnRef>
+            <a:fillRef idx="1">
+              <a:schemeClr val="lt1"/>
+            </a:fillRef>
+            <a:effectRef idx="0">
+              <a:schemeClr val="dk1"/>
+            </a:effectRef>
+            <a:fontRef idx="minor">
+              <a:schemeClr val="dk1"/>
+            </a:fontRef>
+          </p:style>
+          <p:txBody>
+            <a:bodyPr rtlCol="0" anchor="ctr"/>
+            <a:lstStyle/>
+            <a:p>
+              <a:pPr algn="ctr"/>
+              <a:r>
+                <a:rPr lang="en-US" sz="1400" dirty="0"/>
+                <a:t>Remove worst solutions</a:t>
+              </a:r>
+            </a:p>
+          </p:txBody>
+        </p:sp>
+        <p:sp>
+          <p:nvSpPr>
+            <p:cNvPr id="10" name="Flowchart: Process 40">
+              <a:extLst>
+                <a:ext uri="{FF2B5EF4-FFF2-40B4-BE49-F238E27FC236}">
+                  <a16:creationId xmlns:a16="http://schemas.microsoft.com/office/drawing/2014/main" id="{703E5D7C-36E0-4B7F-B890-5146B734AC44}"/>
+                </a:ext>
+              </a:extLst>
+            </p:cNvPr>
+            <p:cNvSpPr/>
+            <p:nvPr/>
+          </p:nvSpPr>
+          <p:spPr>
+            <a:xfrm>
+              <a:off x="2063636" y="479198"/>
+              <a:ext cx="1512000" cy="792088"/>
+            </a:xfrm>
+            <a:prstGeom prst="flowChartProcess">
+              <a:avLst/>
+            </a:prstGeom>
+          </p:spPr>
+          <p:style>
+            <a:lnRef idx="2">
+              <a:schemeClr val="dk1"/>
+            </a:lnRef>
+            <a:fillRef idx="1">
+              <a:schemeClr val="lt1"/>
+            </a:fillRef>
+            <a:effectRef idx="0">
+              <a:schemeClr val="dk1"/>
+            </a:effectRef>
+            <a:fontRef idx="minor">
+              <a:schemeClr val="dk1"/>
+            </a:fontRef>
+          </p:style>
+          <p:txBody>
+            <a:bodyPr rtlCol="0" anchor="ctr"/>
+            <a:lstStyle/>
+            <a:p>
+              <a:pPr algn="ctr"/>
+              <a:r>
+                <a:rPr lang="en-US" sz="1400" dirty="0"/>
+                <a:t>Return best solution(s)</a:t>
+              </a:r>
+            </a:p>
+          </p:txBody>
+        </p:sp>
+        <p:cxnSp>
+          <p:nvCxnSpPr>
+            <p:cNvPr id="11" name="Straight Arrow Connector 2">
+              <a:extLst>
+                <a:ext uri="{FF2B5EF4-FFF2-40B4-BE49-F238E27FC236}">
+                  <a16:creationId xmlns:a16="http://schemas.microsoft.com/office/drawing/2014/main" id="{46D97A32-890F-44B0-877A-6EC55B51FD41}"/>
+                </a:ext>
+              </a:extLst>
+            </p:cNvPr>
+            <p:cNvCxnSpPr>
+              <a:stCxn id="5" idx="3"/>
+              <a:endCxn id="7" idx="1"/>
+            </p:cNvCxnSpPr>
+            <p:nvPr/>
+          </p:nvCxnSpPr>
+          <p:spPr>
+            <a:xfrm>
+              <a:off x="1691512" y="2122576"/>
+              <a:ext cx="228024" cy="0"/>
+            </a:xfrm>
+            <a:prstGeom prst="straightConnector1">
+              <a:avLst/>
+            </a:prstGeom>
+            <a:ln w="28575">
+              <a:solidFill>
+                <a:schemeClr val="tx1"/>
+              </a:solidFill>
+              <a:tailEnd type="arrow"/>
+            </a:ln>
+          </p:spPr>
+          <p:style>
+            <a:lnRef idx="1">
+              <a:schemeClr val="accent1"/>
+            </a:lnRef>
+            <a:fillRef idx="0">
+              <a:schemeClr val="accent1"/>
+            </a:fillRef>
+            <a:effectRef idx="0">
+              <a:schemeClr val="accent1"/>
+            </a:effectRef>
+            <a:fontRef idx="minor">
+              <a:schemeClr val="tx1"/>
+            </a:fontRef>
+          </p:style>
+        </p:cxnSp>
+        <p:cxnSp>
+          <p:nvCxnSpPr>
+            <p:cNvPr id="12" name="Straight Arrow Connector 6">
+              <a:extLst>
+                <a:ext uri="{FF2B5EF4-FFF2-40B4-BE49-F238E27FC236}">
+                  <a16:creationId xmlns:a16="http://schemas.microsoft.com/office/drawing/2014/main" id="{4C681EEE-429D-4418-8699-6FF16D60FFB6}"/>
+                </a:ext>
+              </a:extLst>
+            </p:cNvPr>
+            <p:cNvCxnSpPr>
+              <a:stCxn id="7" idx="3"/>
+              <a:endCxn id="8" idx="1"/>
+            </p:cNvCxnSpPr>
+            <p:nvPr/>
+          </p:nvCxnSpPr>
+          <p:spPr>
+            <a:xfrm>
+              <a:off x="3719736" y="2122576"/>
+              <a:ext cx="216024" cy="0"/>
+            </a:xfrm>
+            <a:prstGeom prst="straightConnector1">
+              <a:avLst/>
+            </a:prstGeom>
+            <a:ln w="28575">
+              <a:solidFill>
+                <a:schemeClr val="tx1"/>
+              </a:solidFill>
+              <a:tailEnd type="arrow"/>
+            </a:ln>
+          </p:spPr>
+          <p:style>
+            <a:lnRef idx="1">
+              <a:schemeClr val="accent1"/>
+            </a:lnRef>
+            <a:fillRef idx="0">
+              <a:schemeClr val="accent1"/>
+            </a:fillRef>
+            <a:effectRef idx="0">
+              <a:schemeClr val="accent1"/>
+            </a:effectRef>
+            <a:fontRef idx="minor">
+              <a:schemeClr val="tx1"/>
+            </a:fontRef>
+          </p:style>
+        </p:cxnSp>
+        <p:cxnSp>
+          <p:nvCxnSpPr>
+            <p:cNvPr id="13" name="Straight Arrow Connector 11">
+              <a:extLst>
+                <a:ext uri="{FF2B5EF4-FFF2-40B4-BE49-F238E27FC236}">
+                  <a16:creationId xmlns:a16="http://schemas.microsoft.com/office/drawing/2014/main" id="{6A3639D5-0396-4CEB-9A8D-CCDCC94C9BB1}"/>
+                </a:ext>
+              </a:extLst>
+            </p:cNvPr>
+            <p:cNvCxnSpPr>
+              <a:stCxn id="7" idx="0"/>
+              <a:endCxn id="10" idx="2"/>
+            </p:cNvCxnSpPr>
+            <p:nvPr/>
+          </p:nvCxnSpPr>
+          <p:spPr>
+            <a:xfrm flipV="1">
+              <a:off x="2819636" y="1271286"/>
+              <a:ext cx="0" cy="264946"/>
+            </a:xfrm>
+            <a:prstGeom prst="straightConnector1">
+              <a:avLst/>
+            </a:prstGeom>
+            <a:ln w="28575">
+              <a:solidFill>
+                <a:schemeClr val="tx1"/>
+              </a:solidFill>
+              <a:tailEnd type="arrow"/>
+            </a:ln>
+          </p:spPr>
+          <p:style>
+            <a:lnRef idx="1">
+              <a:schemeClr val="accent1"/>
+            </a:lnRef>
+            <a:fillRef idx="0">
+              <a:schemeClr val="accent1"/>
+            </a:fillRef>
+            <a:effectRef idx="0">
+              <a:schemeClr val="accent1"/>
+            </a:effectRef>
+            <a:fontRef idx="minor">
+              <a:schemeClr val="tx1"/>
+            </a:fontRef>
+          </p:style>
+        </p:cxnSp>
+        <p:cxnSp>
+          <p:nvCxnSpPr>
+            <p:cNvPr id="14" name="Straight Arrow Connector 15">
+              <a:extLst>
+                <a:ext uri="{FF2B5EF4-FFF2-40B4-BE49-F238E27FC236}">
+                  <a16:creationId xmlns:a16="http://schemas.microsoft.com/office/drawing/2014/main" id="{CE059A3D-884A-434F-95C3-ABC214B11C38}"/>
+                </a:ext>
+              </a:extLst>
+            </p:cNvPr>
+            <p:cNvCxnSpPr>
+              <a:stCxn id="8" idx="3"/>
+              <a:endCxn id="6" idx="1"/>
+            </p:cNvCxnSpPr>
+            <p:nvPr/>
+          </p:nvCxnSpPr>
+          <p:spPr>
+            <a:xfrm>
+              <a:off x="5447928" y="2122576"/>
+              <a:ext cx="216024" cy="0"/>
+            </a:xfrm>
+            <a:prstGeom prst="straightConnector1">
+              <a:avLst/>
+            </a:prstGeom>
+            <a:ln w="28575">
+              <a:solidFill>
+                <a:schemeClr val="tx1"/>
+              </a:solidFill>
+              <a:tailEnd type="arrow"/>
+            </a:ln>
+          </p:spPr>
+          <p:style>
+            <a:lnRef idx="1">
+              <a:schemeClr val="accent1"/>
+            </a:lnRef>
+            <a:fillRef idx="0">
+              <a:schemeClr val="accent1"/>
+            </a:fillRef>
+            <a:effectRef idx="0">
+              <a:schemeClr val="accent1"/>
+            </a:effectRef>
+            <a:fontRef idx="minor">
+              <a:schemeClr val="tx1"/>
+            </a:fontRef>
+          </p:style>
+        </p:cxnSp>
+        <p:cxnSp>
+          <p:nvCxnSpPr>
+            <p:cNvPr id="15" name="Straight Arrow Connector 20">
+              <a:extLst>
+                <a:ext uri="{FF2B5EF4-FFF2-40B4-BE49-F238E27FC236}">
+                  <a16:creationId xmlns:a16="http://schemas.microsoft.com/office/drawing/2014/main" id="{7BA9EA46-1C96-40EE-B5CC-AA6B05E66E75}"/>
+                </a:ext>
+              </a:extLst>
+            </p:cNvPr>
+            <p:cNvCxnSpPr>
+              <a:stCxn id="6" idx="3"/>
+              <a:endCxn id="9" idx="1"/>
+            </p:cNvCxnSpPr>
+            <p:nvPr/>
+          </p:nvCxnSpPr>
+          <p:spPr>
+            <a:xfrm>
+              <a:off x="7175952" y="2122576"/>
+              <a:ext cx="216192" cy="0"/>
+            </a:xfrm>
+            <a:prstGeom prst="straightConnector1">
+              <a:avLst/>
+            </a:prstGeom>
+            <a:ln w="28575">
+              <a:solidFill>
+                <a:schemeClr val="tx1"/>
+              </a:solidFill>
+              <a:tailEnd type="arrow"/>
+            </a:ln>
+          </p:spPr>
+          <p:style>
+            <a:lnRef idx="1">
+              <a:schemeClr val="accent1"/>
+            </a:lnRef>
+            <a:fillRef idx="0">
+              <a:schemeClr val="accent1"/>
+            </a:fillRef>
+            <a:effectRef idx="0">
+              <a:schemeClr val="accent1"/>
+            </a:effectRef>
+            <a:fontRef idx="minor">
+              <a:schemeClr val="tx1"/>
+            </a:fontRef>
+          </p:style>
+        </p:cxnSp>
+        <p:cxnSp>
+          <p:nvCxnSpPr>
+            <p:cNvPr id="16" name="Elbow Connector 27">
+              <a:extLst>
+                <a:ext uri="{FF2B5EF4-FFF2-40B4-BE49-F238E27FC236}">
+                  <a16:creationId xmlns:a16="http://schemas.microsoft.com/office/drawing/2014/main" id="{4263DBE2-98EC-4F7D-9F6F-B6CA21E90E21}"/>
+                </a:ext>
+              </a:extLst>
+            </p:cNvPr>
+            <p:cNvCxnSpPr>
+              <a:stCxn id="9" idx="2"/>
+              <a:endCxn id="7" idx="2"/>
+            </p:cNvCxnSpPr>
+            <p:nvPr/>
+          </p:nvCxnSpPr>
+          <p:spPr>
+            <a:xfrm rot="5400000">
+              <a:off x="5388741" y="-50485"/>
+              <a:ext cx="190299" cy="5328508"/>
+            </a:xfrm>
+            <a:prstGeom prst="bentConnector3">
+              <a:avLst>
+                <a:gd name="adj1" fmla="val 220127"/>
+              </a:avLst>
+            </a:prstGeom>
+            <a:ln w="28575">
+              <a:solidFill>
+                <a:schemeClr val="tx1"/>
+              </a:solidFill>
+              <a:tailEnd type="arrow"/>
+            </a:ln>
+          </p:spPr>
+          <p:style>
+            <a:lnRef idx="1">
+              <a:schemeClr val="accent1"/>
+            </a:lnRef>
+            <a:fillRef idx="0">
+              <a:schemeClr val="accent1"/>
+            </a:fillRef>
+            <a:effectRef idx="0">
+              <a:schemeClr val="accent1"/>
+            </a:effectRef>
+            <a:fontRef idx="minor">
+              <a:schemeClr val="tx1"/>
+            </a:fontRef>
+          </p:style>
+        </p:cxnSp>
+        <p:sp>
+          <p:nvSpPr>
+            <p:cNvPr id="17" name="TextBox 29">
+              <a:extLst>
+                <a:ext uri="{FF2B5EF4-FFF2-40B4-BE49-F238E27FC236}">
+                  <a16:creationId xmlns:a16="http://schemas.microsoft.com/office/drawing/2014/main" id="{3E022244-1C2A-4250-A9CA-276D601AF4D4}"/>
+                </a:ext>
+              </a:extLst>
+            </p:cNvPr>
+            <p:cNvSpPr txBox="1"/>
+            <p:nvPr/>
+          </p:nvSpPr>
+          <p:spPr>
+            <a:xfrm>
+              <a:off x="2843808" y="1268760"/>
+              <a:ext cx="504056" cy="369332"/>
+            </a:xfrm>
+            <a:prstGeom prst="rect">
+              <a:avLst/>
+            </a:prstGeom>
+            <a:noFill/>
+          </p:spPr>
+          <p:txBody>
+            <a:bodyPr wrap="square" rtlCol="0">
+              <a:spAutoFit/>
+            </a:bodyPr>
+            <a:lstStyle/>
+            <a:p>
+              <a:r>
+                <a:rPr lang="en-US" b="1" dirty="0"/>
+                <a:t>Yes</a:t>
+              </a:r>
+            </a:p>
+          </p:txBody>
+        </p:sp>
+        <p:sp>
+          <p:nvSpPr>
+            <p:cNvPr id="18" name="TextBox 32">
+              <a:extLst>
+                <a:ext uri="{FF2B5EF4-FFF2-40B4-BE49-F238E27FC236}">
+                  <a16:creationId xmlns:a16="http://schemas.microsoft.com/office/drawing/2014/main" id="{EBADCFA1-9A0A-4226-92DB-3F21389589A8}"/>
+                </a:ext>
+              </a:extLst>
+            </p:cNvPr>
+            <p:cNvSpPr txBox="1"/>
+            <p:nvPr/>
+          </p:nvSpPr>
+          <p:spPr>
+            <a:xfrm>
+              <a:off x="3491880" y="2195572"/>
+              <a:ext cx="504056" cy="369332"/>
+            </a:xfrm>
+            <a:prstGeom prst="rect">
+              <a:avLst/>
+            </a:prstGeom>
+            <a:noFill/>
+          </p:spPr>
+          <p:txBody>
+            <a:bodyPr wrap="square" rtlCol="0">
+              <a:spAutoFit/>
+            </a:bodyPr>
+            <a:lstStyle/>
+            <a:p>
+              <a:r>
+                <a:rPr lang="en-US" b="1" dirty="0"/>
+                <a:t>No</a:t>
+              </a:r>
+            </a:p>
+          </p:txBody>
+        </p:sp>
+      </p:grpSp>
+      <p:sp>
+        <p:nvSpPr>
+          <p:cNvPr id="19" name="Bulle narrative : rectangle 18">
+            <a:extLst>
+              <a:ext uri="{FF2B5EF4-FFF2-40B4-BE49-F238E27FC236}">
+                <a16:creationId xmlns:a16="http://schemas.microsoft.com/office/drawing/2014/main" id="{6A302E38-2701-458B-A3D1-467C8B414CE6}"/>
+              </a:ext>
+            </a:extLst>
+          </p:cNvPr>
+          <p:cNvSpPr/>
+          <p:nvPr/>
+        </p:nvSpPr>
+        <p:spPr>
+          <a:xfrm>
+            <a:off x="7381730" y="3372822"/>
+            <a:ext cx="3313911" cy="1172687"/>
+          </a:xfrm>
+          <a:prstGeom prst="wedgeRectCallout">
+            <a:avLst>
+              <a:gd name="adj1" fmla="val -66558"/>
+              <a:gd name="adj2" fmla="val 80697"/>
+            </a:avLst>
+          </a:prstGeom>
+          <a:ln/>
+        </p:spPr>
+        <p:style>
+          <a:lnRef idx="2">
+            <a:schemeClr val="accent2">
+              <a:shade val="50000"/>
+            </a:schemeClr>
+          </a:lnRef>
+          <a:fillRef idx="1">
+            <a:schemeClr val="accent2"/>
+          </a:fillRef>
+          <a:effectRef idx="0">
+            <a:schemeClr val="accent2"/>
+          </a:effectRef>
+          <a:fontRef idx="minor">
+            <a:schemeClr val="lt1"/>
+          </a:fontRef>
+        </p:style>
+        <p:txBody>
+          <a:bodyPr rtlCol="0" anchor="ctr"/>
+          <a:lstStyle/>
+          <a:p>
+            <a:pPr algn="ctr"/>
+            <a:r>
+              <a:rPr lang="en-US" dirty="0"/>
+              <a:t>Modify candidate solutions, must create valid solutions (e.g. integer values)</a:t>
+            </a:r>
+          </a:p>
+        </p:txBody>
+      </p:sp>
+      <p:sp>
+        <p:nvSpPr>
+          <p:cNvPr id="20" name="Bulle narrative : rectangle 19">
+            <a:extLst>
+              <a:ext uri="{FF2B5EF4-FFF2-40B4-BE49-F238E27FC236}">
+                <a16:creationId xmlns:a16="http://schemas.microsoft.com/office/drawing/2014/main" id="{59DB4836-D64B-4896-BA5D-BFA54D4625CB}"/>
+              </a:ext>
+            </a:extLst>
+          </p:cNvPr>
+          <p:cNvSpPr/>
+          <p:nvPr/>
+        </p:nvSpPr>
+        <p:spPr>
+          <a:xfrm>
+            <a:off x="252848" y="3563121"/>
+            <a:ext cx="2311237" cy="792088"/>
+          </a:xfrm>
+          <a:prstGeom prst="wedgeRectCallout">
+            <a:avLst>
+              <a:gd name="adj1" fmla="val 26616"/>
+              <a:gd name="adj2" fmla="val 113675"/>
+            </a:avLst>
+          </a:prstGeom>
+        </p:spPr>
+        <p:style>
+          <a:lnRef idx="2">
+            <a:schemeClr val="accent1">
+              <a:shade val="50000"/>
+            </a:schemeClr>
+          </a:lnRef>
+          <a:fillRef idx="1">
+            <a:schemeClr val="accent1"/>
+          </a:fillRef>
+          <a:effectRef idx="0">
+            <a:schemeClr val="accent1"/>
+          </a:effectRef>
+          <a:fontRef idx="minor">
+            <a:schemeClr val="lt1"/>
+          </a:fontRef>
+        </p:style>
+        <p:txBody>
+          <a:bodyPr rtlCol="0" anchor="ctr"/>
+          <a:lstStyle/>
+          <a:p>
+            <a:pPr algn="ctr"/>
+            <a:r>
+              <a:rPr lang="en-US" dirty="0"/>
+              <a:t>Appropriate random sampling</a:t>
             </a:r>
           </a:p>
         </p:txBody>
@@ -2156,7 +3023,7 @@
     </p:spTree>
     <p:extLst>
       <p:ext uri="{BB962C8B-B14F-4D97-AF65-F5344CB8AC3E}">
-        <p14:creationId xmlns:p14="http://schemas.microsoft.com/office/powerpoint/2010/main" val="478420095"/>
+        <p14:creationId xmlns:p14="http://schemas.microsoft.com/office/powerpoint/2010/main" val="3214944582"/>
       </p:ext>
     </p:extLst>
   </p:cSld>
@@ -2567,8 +3434,8 @@
           </a:p>
         </p:txBody>
       </p:sp>
-      <mc:AlternateContent xmlns:mc="http://schemas.openxmlformats.org/markup-compatibility/2006">
-        <mc:Choice xmlns:a14="http://schemas.microsoft.com/office/drawing/2010/main" Requires="a14">
+      <mc:AlternateContent xmlns:mc="http://schemas.openxmlformats.org/markup-compatibility/2006" xmlns:a14="http://schemas.microsoft.com/office/drawing/2010/main">
+        <mc:Choice Requires="a14">
           <p:sp>
             <p:nvSpPr>
               <p:cNvPr id="3" name="Espace réservé du texte 2">
@@ -2914,7 +3781,7 @@
             </p:txBody>
           </p:sp>
         </mc:Choice>
-        <mc:Fallback>
+        <mc:Fallback xmlns="">
           <p:sp>
             <p:nvSpPr>
               <p:cNvPr id="3" name="Espace réservé du texte 2">
@@ -3012,8 +3879,8 @@
           </a:p>
         </p:txBody>
       </p:sp>
-      <mc:AlternateContent xmlns:mc="http://schemas.openxmlformats.org/markup-compatibility/2006">
-        <mc:Choice xmlns:a14="http://schemas.microsoft.com/office/drawing/2010/main" Requires="a14">
+      <mc:AlternateContent xmlns:mc="http://schemas.openxmlformats.org/markup-compatibility/2006" xmlns:a14="http://schemas.microsoft.com/office/drawing/2010/main">
+        <mc:Choice Requires="a14">
           <p:sp>
             <p:nvSpPr>
               <p:cNvPr id="3" name="Espace réservé du texte 2">
@@ -3323,7 +4190,7 @@
             </p:txBody>
           </p:sp>
         </mc:Choice>
-        <mc:Fallback>
+        <mc:Fallback xmlns="">
           <p:sp>
             <p:nvSpPr>
               <p:cNvPr id="3" name="Espace réservé du texte 2">
@@ -3398,7 +4265,7 @@
           <p:cNvPr id="2" name="Titre 1">
             <a:extLst>
               <a:ext uri="{FF2B5EF4-FFF2-40B4-BE49-F238E27FC236}">
-                <a16:creationId xmlns:a16="http://schemas.microsoft.com/office/drawing/2014/main" id="{001B60FC-8237-4A7A-AE70-9D953CD62C7D}"/>
+                <a16:creationId xmlns:a16="http://schemas.microsoft.com/office/drawing/2014/main" id="{DF5325FB-C901-4A83-97DA-F0FBFDB3CD07}"/>
               </a:ext>
             </a:extLst>
           </p:cNvPr>
@@ -3416,7 +4283,7 @@
           <a:p>
             <a:r>
               <a:rPr lang="en-US" dirty="0"/>
-              <a:t>Branch and bound</a:t>
+              <a:t>Discrete optimization</a:t>
             </a:r>
           </a:p>
         </p:txBody>
@@ -3426,7 +4293,7 @@
           <p:cNvPr id="3" name="Espace réservé du texte 2">
             <a:extLst>
               <a:ext uri="{FF2B5EF4-FFF2-40B4-BE49-F238E27FC236}">
-                <a16:creationId xmlns:a16="http://schemas.microsoft.com/office/drawing/2014/main" id="{D736BCAF-06E4-4B9E-B33F-C1214BA31285}"/>
+                <a16:creationId xmlns:a16="http://schemas.microsoft.com/office/drawing/2014/main" id="{41D89480-BBFB-4A67-A0D9-DFEE6C86DC8F}"/>
               </a:ext>
             </a:extLst>
           </p:cNvPr>
@@ -3442,14 +4309,266 @@
           <a:bodyPr/>
           <a:lstStyle/>
           <a:p>
-            <a:endParaRPr lang="en-US"/>
+            <a:r>
+              <a:rPr lang="en-US" dirty="0"/>
+              <a:t>Trivial (and </a:t>
+            </a:r>
+            <a:r>
+              <a:rPr lang="en-US" i="1" dirty="0"/>
+              <a:t>ineffective</a:t>
+            </a:r>
+            <a:r>
+              <a:rPr lang="en-US" dirty="0"/>
+              <a:t>) solution</a:t>
+            </a:r>
+          </a:p>
+          <a:p>
+            <a:pPr lvl="1"/>
+            <a:r>
+              <a:rPr lang="en-US" dirty="0"/>
+              <a:t>“Relax” the problem into a continuous one</a:t>
+            </a:r>
+          </a:p>
+          <a:p>
+            <a:pPr lvl="1"/>
+            <a:r>
+              <a:rPr lang="en-US" dirty="0"/>
+              <a:t>Round up variable values of best solution to the closest integer</a:t>
+            </a:r>
           </a:p>
         </p:txBody>
       </p:sp>
+      <p:pic>
+        <p:nvPicPr>
+          <p:cNvPr id="5" name="Image 4">
+            <a:extLst>
+              <a:ext uri="{FF2B5EF4-FFF2-40B4-BE49-F238E27FC236}">
+                <a16:creationId xmlns:a16="http://schemas.microsoft.com/office/drawing/2014/main" id="{32CCFC91-A39E-4588-BF6A-C3A57F33DB7B}"/>
+              </a:ext>
+            </a:extLst>
+          </p:cNvPr>
+          <p:cNvPicPr>
+            <a:picLocks noChangeAspect="1"/>
+          </p:cNvPicPr>
+          <p:nvPr/>
+        </p:nvPicPr>
+        <p:blipFill>
+          <a:blip r:embed="rId2"/>
+          <a:stretch>
+            <a:fillRect/>
+          </a:stretch>
+        </p:blipFill>
+        <p:spPr>
+          <a:xfrm>
+            <a:off x="3883418" y="3018346"/>
+            <a:ext cx="4204780" cy="3080829"/>
+          </a:xfrm>
+          <a:prstGeom prst="rect">
+            <a:avLst/>
+          </a:prstGeom>
+        </p:spPr>
+      </p:pic>
+      <p:sp>
+        <p:nvSpPr>
+          <p:cNvPr id="6" name="ZoneTexte 5">
+            <a:extLst>
+              <a:ext uri="{FF2B5EF4-FFF2-40B4-BE49-F238E27FC236}">
+                <a16:creationId xmlns:a16="http://schemas.microsoft.com/office/drawing/2014/main" id="{8CAC742E-8BC5-4BE9-A9D5-CC27CCD071DB}"/>
+              </a:ext>
+            </a:extLst>
+          </p:cNvPr>
+          <p:cNvSpPr txBox="1"/>
+          <p:nvPr/>
+        </p:nvSpPr>
+        <p:spPr>
+          <a:xfrm>
+            <a:off x="2573516" y="3244334"/>
+            <a:ext cx="1536571" cy="369332"/>
+          </a:xfrm>
+          <a:prstGeom prst="rect">
+            <a:avLst/>
+          </a:prstGeom>
+          <a:noFill/>
+        </p:spPr>
+        <p:txBody>
+          <a:bodyPr wrap="square" rtlCol="0">
+            <a:spAutoFit/>
+          </a:bodyPr>
+          <a:lstStyle/>
+          <a:p>
+            <a:r>
+              <a:rPr lang="en-US" dirty="0"/>
+              <a:t>Integer values</a:t>
+            </a:r>
+          </a:p>
+        </p:txBody>
+      </p:sp>
+      <p:cxnSp>
+        <p:nvCxnSpPr>
+          <p:cNvPr id="8" name="Connecteur droit 7">
+            <a:extLst>
+              <a:ext uri="{FF2B5EF4-FFF2-40B4-BE49-F238E27FC236}">
+                <a16:creationId xmlns:a16="http://schemas.microsoft.com/office/drawing/2014/main" id="{CF1E41ED-FF97-4A45-A083-C5979B608094}"/>
+              </a:ext>
+            </a:extLst>
+          </p:cNvPr>
+          <p:cNvCxnSpPr/>
+          <p:nvPr/>
+        </p:nvCxnSpPr>
+        <p:spPr>
+          <a:xfrm>
+            <a:off x="4138367" y="3429000"/>
+            <a:ext cx="405353" cy="143759"/>
+          </a:xfrm>
+          <a:prstGeom prst="line">
+            <a:avLst/>
+          </a:prstGeom>
+          <a:ln>
+            <a:solidFill>
+              <a:schemeClr val="tx1"/>
+            </a:solidFill>
+          </a:ln>
+        </p:spPr>
+        <p:style>
+          <a:lnRef idx="1">
+            <a:schemeClr val="accent1"/>
+          </a:lnRef>
+          <a:fillRef idx="0">
+            <a:schemeClr val="accent1"/>
+          </a:fillRef>
+          <a:effectRef idx="0">
+            <a:schemeClr val="accent1"/>
+          </a:effectRef>
+          <a:fontRef idx="minor">
+            <a:schemeClr val="tx1"/>
+          </a:fontRef>
+        </p:style>
+      </p:cxnSp>
+      <p:cxnSp>
+        <p:nvCxnSpPr>
+          <p:cNvPr id="9" name="Connecteur droit 8">
+            <a:extLst>
+              <a:ext uri="{FF2B5EF4-FFF2-40B4-BE49-F238E27FC236}">
+                <a16:creationId xmlns:a16="http://schemas.microsoft.com/office/drawing/2014/main" id="{70CA02D4-DF20-484E-A67B-22A36FCA9DFD}"/>
+              </a:ext>
+            </a:extLst>
+          </p:cNvPr>
+          <p:cNvCxnSpPr>
+            <a:cxnSpLocks/>
+          </p:cNvCxnSpPr>
+          <p:nvPr/>
+        </p:nvCxnSpPr>
+        <p:spPr>
+          <a:xfrm>
+            <a:off x="4110087" y="3429000"/>
+            <a:ext cx="1423447" cy="1039305"/>
+          </a:xfrm>
+          <a:prstGeom prst="line">
+            <a:avLst/>
+          </a:prstGeom>
+          <a:ln>
+            <a:solidFill>
+              <a:schemeClr val="tx1"/>
+            </a:solidFill>
+          </a:ln>
+        </p:spPr>
+        <p:style>
+          <a:lnRef idx="1">
+            <a:schemeClr val="accent1"/>
+          </a:lnRef>
+          <a:fillRef idx="0">
+            <a:schemeClr val="accent1"/>
+          </a:fillRef>
+          <a:effectRef idx="0">
+            <a:schemeClr val="accent1"/>
+          </a:effectRef>
+          <a:fontRef idx="minor">
+            <a:schemeClr val="tx1"/>
+          </a:fontRef>
+        </p:style>
+      </p:cxnSp>
+      <p:sp>
+        <p:nvSpPr>
+          <p:cNvPr id="12" name="ZoneTexte 11">
+            <a:extLst>
+              <a:ext uri="{FF2B5EF4-FFF2-40B4-BE49-F238E27FC236}">
+                <a16:creationId xmlns:a16="http://schemas.microsoft.com/office/drawing/2014/main" id="{783BD7DB-01B8-4A27-83CB-9A5E0EE37BD4}"/>
+              </a:ext>
+            </a:extLst>
+          </p:cNvPr>
+          <p:cNvSpPr txBox="1"/>
+          <p:nvPr/>
+        </p:nvSpPr>
+        <p:spPr>
+          <a:xfrm>
+            <a:off x="7957793" y="3017676"/>
+            <a:ext cx="3853993" cy="369332"/>
+          </a:xfrm>
+          <a:prstGeom prst="rect">
+            <a:avLst/>
+          </a:prstGeom>
+          <a:noFill/>
+        </p:spPr>
+        <p:txBody>
+          <a:bodyPr wrap="square" rtlCol="0">
+            <a:spAutoFit/>
+          </a:bodyPr>
+          <a:lstStyle/>
+          <a:p>
+            <a:r>
+              <a:rPr lang="en-US" dirty="0">
+                <a:solidFill>
+                  <a:schemeClr val="accent1"/>
+                </a:solidFill>
+              </a:rPr>
+              <a:t>Area of search space within boundaries</a:t>
+            </a:r>
+          </a:p>
+        </p:txBody>
+      </p:sp>
+      <p:cxnSp>
+        <p:nvCxnSpPr>
+          <p:cNvPr id="14" name="Connecteur droit 13">
+            <a:extLst>
+              <a:ext uri="{FF2B5EF4-FFF2-40B4-BE49-F238E27FC236}">
+                <a16:creationId xmlns:a16="http://schemas.microsoft.com/office/drawing/2014/main" id="{21EF23A0-5F1E-4178-A615-37572AC72004}"/>
+              </a:ext>
+            </a:extLst>
+          </p:cNvPr>
+          <p:cNvCxnSpPr>
+            <a:cxnSpLocks/>
+            <a:stCxn id="12" idx="1"/>
+          </p:cNvCxnSpPr>
+          <p:nvPr/>
+        </p:nvCxnSpPr>
+        <p:spPr>
+          <a:xfrm flipH="1">
+            <a:off x="6730739" y="3202342"/>
+            <a:ext cx="1227054" cy="370417"/>
+          </a:xfrm>
+          <a:prstGeom prst="line">
+            <a:avLst/>
+          </a:prstGeom>
+        </p:spPr>
+        <p:style>
+          <a:lnRef idx="1">
+            <a:schemeClr val="accent1"/>
+          </a:lnRef>
+          <a:fillRef idx="0">
+            <a:schemeClr val="accent1"/>
+          </a:fillRef>
+          <a:effectRef idx="0">
+            <a:schemeClr val="accent1"/>
+          </a:effectRef>
+          <a:fontRef idx="minor">
+            <a:schemeClr val="tx1"/>
+          </a:fontRef>
+        </p:style>
+      </p:cxnSp>
     </p:spTree>
     <p:extLst>
       <p:ext uri="{BB962C8B-B14F-4D97-AF65-F5344CB8AC3E}">
-        <p14:creationId xmlns:p14="http://schemas.microsoft.com/office/powerpoint/2010/main" val="305770914"/>
+        <p14:creationId xmlns:p14="http://schemas.microsoft.com/office/powerpoint/2010/main" val="2095309998"/>
       </p:ext>
     </p:extLst>
   </p:cSld>
@@ -3481,7 +4600,7 @@
           <p:cNvPr id="2" name="Titre 1">
             <a:extLst>
               <a:ext uri="{FF2B5EF4-FFF2-40B4-BE49-F238E27FC236}">
-                <a16:creationId xmlns:a16="http://schemas.microsoft.com/office/drawing/2014/main" id="{C652F9B2-9043-4AD5-BC6D-2E7791C7FAFA}"/>
+                <a16:creationId xmlns:a16="http://schemas.microsoft.com/office/drawing/2014/main" id="{001B60FC-8237-4A7A-AE70-9D953CD62C7D}"/>
               </a:ext>
             </a:extLst>
           </p:cNvPr>
@@ -3499,7 +4618,7 @@
           <a:p>
             <a:r>
               <a:rPr lang="en-US" dirty="0"/>
-              <a:t>Traveling salesman problem</a:t>
+              <a:t>Branch and bound</a:t>
             </a:r>
           </a:p>
         </p:txBody>
@@ -3509,7 +4628,7 @@
           <p:cNvPr id="3" name="Espace réservé du texte 2">
             <a:extLst>
               <a:ext uri="{FF2B5EF4-FFF2-40B4-BE49-F238E27FC236}">
-                <a16:creationId xmlns:a16="http://schemas.microsoft.com/office/drawing/2014/main" id="{A5CF0197-4F11-4AC8-B538-7BF4EF2F8D9C}"/>
+                <a16:creationId xmlns:a16="http://schemas.microsoft.com/office/drawing/2014/main" id="{D736BCAF-06E4-4B9E-B33F-C1214BA31285}"/>
               </a:ext>
             </a:extLst>
           </p:cNvPr>
@@ -3527,56 +4646,55 @@
           <a:p>
             <a:r>
               <a:rPr lang="en-US" dirty="0"/>
-              <a:t>Salesman has to visit multiple cities once, in any order</a:t>
-            </a:r>
-          </a:p>
-          <a:p>
-            <a:r>
-              <a:rPr lang="en-US" dirty="0"/>
-              <a:t>What is the optimal order, to minimize total time?</a:t>
+              <a:t>If you can enumerate all possible solutions of a problem</a:t>
+            </a:r>
+          </a:p>
+          <a:p>
+            <a:r>
+              <a:rPr lang="en-US" dirty="0"/>
+              <a:t>Exhaustive approach: evaluate them all, find global optimum</a:t>
+            </a:r>
+          </a:p>
+          <a:p>
+            <a:r>
+              <a:rPr lang="en-US" dirty="0"/>
+              <a:t>Branch &amp; Bound guarantees to find the global optimum</a:t>
+            </a:r>
+          </a:p>
+          <a:p>
+            <a:pPr lvl="1"/>
+            <a:r>
+              <a:rPr lang="en-US" dirty="0"/>
+              <a:t>Without exploring everything, creates a tree</a:t>
+            </a:r>
+          </a:p>
+          <a:p>
+            <a:pPr lvl="1"/>
+            <a:r>
+              <a:rPr lang="en-US" dirty="0"/>
+              <a:t>Branch: divide search space into partitions with extra constraints</a:t>
+            </a:r>
+          </a:p>
+          <a:p>
+            <a:pPr lvl="1"/>
+            <a:r>
+              <a:rPr lang="en-US" dirty="0"/>
+              <a:t>Bound: compute lower bound for a partition, linear programming</a:t>
+            </a:r>
+          </a:p>
+          <a:p>
+            <a:pPr lvl="1"/>
+            <a:r>
+              <a:rPr lang="en-US" dirty="0"/>
+              <a:t>Pruning: decide what branches are not worthy of being explored</a:t>
             </a:r>
           </a:p>
         </p:txBody>
       </p:sp>
-      <p:pic>
-        <p:nvPicPr>
-          <p:cNvPr id="4" name="Image 3" descr="TSPmap002g.png">
-            <a:extLst>
-              <a:ext uri="{FF2B5EF4-FFF2-40B4-BE49-F238E27FC236}">
-                <a16:creationId xmlns:a16="http://schemas.microsoft.com/office/drawing/2014/main" id="{8ED019AE-249F-4239-B487-B2F266515538}"/>
-              </a:ext>
-            </a:extLst>
-          </p:cNvPr>
-          <p:cNvPicPr>
-            <a:picLocks noChangeAspect="1"/>
-          </p:cNvPicPr>
-          <p:nvPr/>
-        </p:nvPicPr>
-        <p:blipFill rotWithShape="1">
-          <a:blip r:embed="rId2">
-            <a:extLst>
-              <a:ext uri="{28A0092B-C50C-407E-A947-70E740481C1C}">
-                <a14:useLocalDpi xmlns:a14="http://schemas.microsoft.com/office/drawing/2010/main" val="0"/>
-              </a:ext>
-            </a:extLst>
-          </a:blip>
-          <a:srcRect l="1129" t="1397" r="1428" b="4925"/>
-          <a:stretch/>
-        </p:blipFill>
-        <p:spPr>
-          <a:xfrm>
-            <a:off x="3728720" y="2543175"/>
-            <a:ext cx="4734560" cy="3556000"/>
-          </a:xfrm>
-          <a:prstGeom prst="rect">
-            <a:avLst/>
-          </a:prstGeom>
-        </p:spPr>
-      </p:pic>
     </p:spTree>
     <p:extLst>
       <p:ext uri="{BB962C8B-B14F-4D97-AF65-F5344CB8AC3E}">
-        <p14:creationId xmlns:p14="http://schemas.microsoft.com/office/powerpoint/2010/main" val="3092316385"/>
+        <p14:creationId xmlns:p14="http://schemas.microsoft.com/office/powerpoint/2010/main" val="305770914"/>
       </p:ext>
     </p:extLst>
   </p:cSld>
@@ -3608,7 +4726,7 @@
           <p:cNvPr id="2" name="Titre 1">
             <a:extLst>
               <a:ext uri="{FF2B5EF4-FFF2-40B4-BE49-F238E27FC236}">
-                <a16:creationId xmlns:a16="http://schemas.microsoft.com/office/drawing/2014/main" id="{9C1F01D1-9060-4812-BE17-1C968169D152}"/>
+                <a16:creationId xmlns:a16="http://schemas.microsoft.com/office/drawing/2014/main" id="{C652F9B2-9043-4AD5-BC6D-2E7791C7FAFA}"/>
               </a:ext>
             </a:extLst>
           </p:cNvPr>
@@ -3631,8 +4749,135 @@
           </a:p>
         </p:txBody>
       </p:sp>
-      <mc:AlternateContent xmlns:mc="http://schemas.openxmlformats.org/markup-compatibility/2006">
-        <mc:Choice xmlns:a14="http://schemas.microsoft.com/office/drawing/2010/main" Requires="a14">
+      <p:sp>
+        <p:nvSpPr>
+          <p:cNvPr id="3" name="Espace réservé du texte 2">
+            <a:extLst>
+              <a:ext uri="{FF2B5EF4-FFF2-40B4-BE49-F238E27FC236}">
+                <a16:creationId xmlns:a16="http://schemas.microsoft.com/office/drawing/2014/main" id="{A5CF0197-4F11-4AC8-B538-7BF4EF2F8D9C}"/>
+              </a:ext>
+            </a:extLst>
+          </p:cNvPr>
+          <p:cNvSpPr>
+            <a:spLocks noGrp="1"/>
+          </p:cNvSpPr>
+          <p:nvPr>
+            <p:ph type="body" sz="quarter" idx="10"/>
+          </p:nvPr>
+        </p:nvSpPr>
+        <p:spPr/>
+        <p:txBody>
+          <a:bodyPr/>
+          <a:lstStyle/>
+          <a:p>
+            <a:r>
+              <a:rPr lang="en-US" dirty="0"/>
+              <a:t>Salesman has to visit multiple cities once, in any order</a:t>
+            </a:r>
+          </a:p>
+          <a:p>
+            <a:r>
+              <a:rPr lang="en-US" dirty="0"/>
+              <a:t>What is the optimal order, to minimize total time?</a:t>
+            </a:r>
+          </a:p>
+        </p:txBody>
+      </p:sp>
+      <p:pic>
+        <p:nvPicPr>
+          <p:cNvPr id="4" name="Image 3" descr="TSPmap002g.png">
+            <a:extLst>
+              <a:ext uri="{FF2B5EF4-FFF2-40B4-BE49-F238E27FC236}">
+                <a16:creationId xmlns:a16="http://schemas.microsoft.com/office/drawing/2014/main" id="{8ED019AE-249F-4239-B487-B2F266515538}"/>
+              </a:ext>
+            </a:extLst>
+          </p:cNvPr>
+          <p:cNvPicPr>
+            <a:picLocks noChangeAspect="1"/>
+          </p:cNvPicPr>
+          <p:nvPr/>
+        </p:nvPicPr>
+        <p:blipFill rotWithShape="1">
+          <a:blip r:embed="rId2">
+            <a:extLst>
+              <a:ext uri="{28A0092B-C50C-407E-A947-70E740481C1C}">
+                <a14:useLocalDpi xmlns:a14="http://schemas.microsoft.com/office/drawing/2010/main" val="0"/>
+              </a:ext>
+            </a:extLst>
+          </a:blip>
+          <a:srcRect l="1129" t="1397" r="1428" b="4925"/>
+          <a:stretch/>
+        </p:blipFill>
+        <p:spPr>
+          <a:xfrm>
+            <a:off x="3728720" y="2543175"/>
+            <a:ext cx="4734560" cy="3556000"/>
+          </a:xfrm>
+          <a:prstGeom prst="rect">
+            <a:avLst/>
+          </a:prstGeom>
+        </p:spPr>
+      </p:pic>
+    </p:spTree>
+    <p:extLst>
+      <p:ext uri="{BB962C8B-B14F-4D97-AF65-F5344CB8AC3E}">
+        <p14:creationId xmlns:p14="http://schemas.microsoft.com/office/powerpoint/2010/main" val="3092316385"/>
+      </p:ext>
+    </p:extLst>
+  </p:cSld>
+  <p:clrMapOvr>
+    <a:masterClrMapping/>
+  </p:clrMapOvr>
+</p:sld>
+</file>
+
+<file path=ppt/slides/slide8.xml><?xml version="1.0" encoding="utf-8"?>
+<p:sld xmlns:a="http://schemas.openxmlformats.org/drawingml/2006/main" xmlns:r="http://schemas.openxmlformats.org/officeDocument/2006/relationships" xmlns:p="http://schemas.openxmlformats.org/presentationml/2006/main">
+  <p:cSld>
+    <p:spTree>
+      <p:nvGrpSpPr>
+        <p:cNvPr id="1" name=""/>
+        <p:cNvGrpSpPr/>
+        <p:nvPr/>
+      </p:nvGrpSpPr>
+      <p:grpSpPr>
+        <a:xfrm>
+          <a:off x="0" y="0"/>
+          <a:ext cx="0" cy="0"/>
+          <a:chOff x="0" y="0"/>
+          <a:chExt cx="0" cy="0"/>
+        </a:xfrm>
+      </p:grpSpPr>
+      <p:sp>
+        <p:nvSpPr>
+          <p:cNvPr id="2" name="Titre 1">
+            <a:extLst>
+              <a:ext uri="{FF2B5EF4-FFF2-40B4-BE49-F238E27FC236}">
+                <a16:creationId xmlns:a16="http://schemas.microsoft.com/office/drawing/2014/main" id="{9C1F01D1-9060-4812-BE17-1C968169D152}"/>
+              </a:ext>
+            </a:extLst>
+          </p:cNvPr>
+          <p:cNvSpPr>
+            <a:spLocks noGrp="1"/>
+          </p:cNvSpPr>
+          <p:nvPr>
+            <p:ph type="title"/>
+          </p:nvPr>
+        </p:nvSpPr>
+        <p:spPr/>
+        <p:txBody>
+          <a:bodyPr/>
+          <a:lstStyle/>
+          <a:p>
+            <a:r>
+              <a:rPr lang="en-US" dirty="0"/>
+              <a:t>Traveling salesman problem</a:t>
+            </a:r>
+          </a:p>
+        </p:txBody>
+      </p:sp>
+      <mc:AlternateContent xmlns:mc="http://schemas.openxmlformats.org/markup-compatibility/2006" xmlns:a14="http://schemas.microsoft.com/office/drawing/2010/main">
+        <mc:Choice Requires="a14">
           <p:sp>
             <p:nvSpPr>
               <p:cNvPr id="3" name="Espace réservé du texte 2">
@@ -3870,7 +5115,7 @@
             </p:txBody>
           </p:sp>
         </mc:Choice>
-        <mc:Fallback>
+        <mc:Fallback xmlns="">
           <p:sp>
             <p:nvSpPr>
               <p:cNvPr id="3" name="Espace réservé du texte 2">
@@ -3923,7 +5168,7 @@
 </p:sld>
 </file>
 
-<file path=ppt/slides/slide8.xml><?xml version="1.0" encoding="utf-8"?>
+<file path=ppt/slides/slide9.xml><?xml version="1.0" encoding="utf-8"?>
 <p:sld xmlns:a="http://schemas.openxmlformats.org/drawingml/2006/main" xmlns:r="http://schemas.openxmlformats.org/officeDocument/2006/relationships" xmlns:p="http://schemas.openxmlformats.org/presentationml/2006/main">
   <p:cSld>
     <p:spTree>
@@ -4119,104 +5364,6 @@
     <p:extLst>
       <p:ext uri="{BB962C8B-B14F-4D97-AF65-F5344CB8AC3E}">
         <p14:creationId xmlns:p14="http://schemas.microsoft.com/office/powerpoint/2010/main" val="2489612910"/>
-      </p:ext>
-    </p:extLst>
-  </p:cSld>
-  <p:clrMapOvr>
-    <a:masterClrMapping/>
-  </p:clrMapOvr>
-</p:sld>
-</file>
-
-<file path=ppt/slides/slide9.xml><?xml version="1.0" encoding="utf-8"?>
-<p:sld xmlns:a="http://schemas.openxmlformats.org/drawingml/2006/main" xmlns:r="http://schemas.openxmlformats.org/officeDocument/2006/relationships" xmlns:p="http://schemas.openxmlformats.org/presentationml/2006/main">
-  <p:cSld>
-    <p:spTree>
-      <p:nvGrpSpPr>
-        <p:cNvPr id="1" name=""/>
-        <p:cNvGrpSpPr/>
-        <p:nvPr/>
-      </p:nvGrpSpPr>
-      <p:grpSpPr>
-        <a:xfrm>
-          <a:off x="0" y="0"/>
-          <a:ext cx="0" cy="0"/>
-          <a:chOff x="0" y="0"/>
-          <a:chExt cx="0" cy="0"/>
-        </a:xfrm>
-      </p:grpSpPr>
-      <p:sp>
-        <p:nvSpPr>
-          <p:cNvPr id="2" name="Titre 1">
-            <a:extLst>
-              <a:ext uri="{FF2B5EF4-FFF2-40B4-BE49-F238E27FC236}">
-                <a16:creationId xmlns:a16="http://schemas.microsoft.com/office/drawing/2014/main" id="{62148896-1C2E-41D1-933E-A86A941A3FDE}"/>
-              </a:ext>
-            </a:extLst>
-          </p:cNvPr>
-          <p:cNvSpPr>
-            <a:spLocks noGrp="1"/>
-          </p:cNvSpPr>
-          <p:nvPr>
-            <p:ph type="title"/>
-          </p:nvPr>
-        </p:nvSpPr>
-        <p:spPr/>
-        <p:txBody>
-          <a:bodyPr/>
-          <a:lstStyle/>
-          <a:p>
-            <a:r>
-              <a:rPr lang="en-US" dirty="0"/>
-              <a:t>Mixed-integer linear programming</a:t>
-            </a:r>
-          </a:p>
-        </p:txBody>
-      </p:sp>
-      <p:sp>
-        <p:nvSpPr>
-          <p:cNvPr id="3" name="Espace réservé du texte 2">
-            <a:extLst>
-              <a:ext uri="{FF2B5EF4-FFF2-40B4-BE49-F238E27FC236}">
-                <a16:creationId xmlns:a16="http://schemas.microsoft.com/office/drawing/2014/main" id="{2937A5F0-C5EC-4D05-ADF3-380D6875D4CD}"/>
-              </a:ext>
-            </a:extLst>
-          </p:cNvPr>
-          <p:cNvSpPr>
-            <a:spLocks noGrp="1"/>
-          </p:cNvSpPr>
-          <p:nvPr>
-            <p:ph type="body" sz="quarter" idx="10"/>
-          </p:nvPr>
-        </p:nvSpPr>
-        <p:spPr/>
-        <p:txBody>
-          <a:bodyPr/>
-          <a:lstStyle/>
-          <a:p>
-            <a:r>
-              <a:rPr lang="en-US" dirty="0"/>
-              <a:t>MILP: Starts from classical linear programming</a:t>
-            </a:r>
-          </a:p>
-          <a:p>
-            <a:r>
-              <a:rPr lang="en-US" dirty="0"/>
-              <a:t>Add constraints that force variables to assume integer values</a:t>
-            </a:r>
-          </a:p>
-          <a:p>
-            <a:r>
-              <a:rPr lang="en-US" dirty="0"/>
-              <a:t>Most solvers allow integer variables by default</a:t>
-            </a:r>
-          </a:p>
-        </p:txBody>
-      </p:sp>
-    </p:spTree>
-    <p:extLst>
-      <p:ext uri="{BB962C8B-B14F-4D97-AF65-F5344CB8AC3E}">
-        <p14:creationId xmlns:p14="http://schemas.microsoft.com/office/powerpoint/2010/main" val="145389672"/>
       </p:ext>
     </p:extLst>
   </p:cSld>

--- a/optimization-methods-for-artificial-intelligence/optimization-discrete.pptx
+++ b/optimization-methods-for-artificial-intelligence/optimization-discrete.pptx
@@ -1952,7 +1952,13 @@
           <a:p>
             <a:r>
               <a:rPr lang="en-US" dirty="0"/>
-              <a:t>MILP: Starts from classical linear programming</a:t>
+              <a:t>MILP: Class of problems with different solvers</a:t>
+            </a:r>
+          </a:p>
+          <a:p>
+            <a:r>
+              <a:rPr lang="en-US" dirty="0"/>
+              <a:t>Example: Branch-and-cut</a:t>
             </a:r>
           </a:p>
           <a:p>
@@ -2000,8 +2006,8 @@
         </p:blipFill>
         <p:spPr>
           <a:xfrm>
-            <a:off x="2036077" y="3429000"/>
-            <a:ext cx="8119846" cy="2794492"/>
+            <a:off x="2389638" y="3843780"/>
+            <a:ext cx="7412723" cy="2551132"/>
           </a:xfrm>
           <a:prstGeom prst="rect">
             <a:avLst/>

--- a/optimization-methods-for-artificial-intelligence/optimization-discrete.pptx
+++ b/optimization-methods-for-artificial-intelligence/optimization-discrete.pptx
@@ -18051,8 +18051,8 @@
           </p:sp>
         </mc:Fallback>
       </mc:AlternateContent>
-      <mc:AlternateContent xmlns:mc="http://schemas.openxmlformats.org/markup-compatibility/2006" xmlns:a14="http://schemas.microsoft.com/office/drawing/2010/main">
-        <mc:Choice Requires="a14">
+      <mc:AlternateContent xmlns:mc="http://schemas.openxmlformats.org/markup-compatibility/2006">
+        <mc:Choice xmlns:a14="http://schemas.microsoft.com/office/drawing/2010/main" Requires="a14">
           <p:sp>
             <p:nvSpPr>
               <p:cNvPr id="5" name="Bulle narrative : rectangle 4">
@@ -18067,7 +18067,7 @@
             </p:nvSpPr>
             <p:spPr>
               <a:xfrm>
-                <a:off x="7122343" y="451776"/>
+                <a:off x="8313655" y="423585"/>
                 <a:ext cx="3724374" cy="1753385"/>
               </a:xfrm>
               <a:prstGeom prst="wedgeRectCallout">
@@ -18279,7 +18279,7 @@
             </p:txBody>
           </p:sp>
         </mc:Choice>
-        <mc:Fallback xmlns="">
+        <mc:Fallback>
           <p:sp>
             <p:nvSpPr>
               <p:cNvPr id="5" name="Bulle narrative : rectangle 4">
@@ -18296,7 +18296,7 @@
             </p:nvSpPr>
             <p:spPr>
               <a:xfrm>
-                <a:off x="7122343" y="451776"/>
+                <a:off x="8313655" y="423585"/>
                 <a:ext cx="3724374" cy="1753385"/>
               </a:xfrm>
               <a:prstGeom prst="wedgeRectCallout">
